--- a/xa기반 계좌이체.pptx
+++ b/xa기반 계좌이체.pptx
@@ -9,16 +9,16 @@
     <p:sldId id="257" r:id="rId3"/>
     <p:sldId id="260" r:id="rId4"/>
     <p:sldId id="258" r:id="rId5"/>
-    <p:sldId id="259" r:id="rId6"/>
-    <p:sldId id="261" r:id="rId7"/>
-    <p:sldId id="265" r:id="rId8"/>
-    <p:sldId id="262" r:id="rId9"/>
-    <p:sldId id="272" r:id="rId10"/>
-    <p:sldId id="268" r:id="rId11"/>
-    <p:sldId id="263" r:id="rId12"/>
-    <p:sldId id="270" r:id="rId13"/>
-    <p:sldId id="271" r:id="rId14"/>
-    <p:sldId id="264" r:id="rId15"/>
+    <p:sldId id="264" r:id="rId6"/>
+    <p:sldId id="259" r:id="rId7"/>
+    <p:sldId id="261" r:id="rId8"/>
+    <p:sldId id="265" r:id="rId9"/>
+    <p:sldId id="262" r:id="rId10"/>
+    <p:sldId id="272" r:id="rId11"/>
+    <p:sldId id="268" r:id="rId12"/>
+    <p:sldId id="263" r:id="rId13"/>
+    <p:sldId id="270" r:id="rId14"/>
+    <p:sldId id="271" r:id="rId15"/>
     <p:sldId id="266" r:id="rId16"/>
     <p:sldId id="267" r:id="rId17"/>
   </p:sldIdLst>
@@ -119,6 +119,11 @@
       </a:defRPr>
     </a:lvl9pPr>
   </p:defaultTextStyle>
+  <p:extLst>
+    <p:ext uri="{EFAFB233-063F-42B5-8137-9DF3F51BA10A}">
+      <p15:sldGuideLst xmlns:p15="http://schemas.microsoft.com/office/powerpoint/2012/main"/>
+    </p:ext>
+  </p:extLst>
 </p:presentation>
 </file>
 
@@ -269,7 +274,7 @@
           <a:p>
             <a:fld id="{3ACE5B98-1821-4986-AFD3-5533EDEA2127}" type="datetimeFigureOut">
               <a:rPr lang="ko-KR" altLang="en-US" smtClean="0"/>
-              <a:t>2021-08-27</a:t>
+              <a:t>2021-09-02</a:t>
             </a:fld>
             <a:endParaRPr lang="ko-KR" altLang="en-US"/>
           </a:p>
@@ -467,7 +472,7 @@
           <a:p>
             <a:fld id="{3ACE5B98-1821-4986-AFD3-5533EDEA2127}" type="datetimeFigureOut">
               <a:rPr lang="ko-KR" altLang="en-US" smtClean="0"/>
-              <a:t>2021-08-27</a:t>
+              <a:t>2021-09-02</a:t>
             </a:fld>
             <a:endParaRPr lang="ko-KR" altLang="en-US"/>
           </a:p>
@@ -675,7 +680,7 @@
           <a:p>
             <a:fld id="{3ACE5B98-1821-4986-AFD3-5533EDEA2127}" type="datetimeFigureOut">
               <a:rPr lang="ko-KR" altLang="en-US" smtClean="0"/>
-              <a:t>2021-08-27</a:t>
+              <a:t>2021-09-02</a:t>
             </a:fld>
             <a:endParaRPr lang="ko-KR" altLang="en-US"/>
           </a:p>
@@ -873,7 +878,7 @@
           <a:p>
             <a:fld id="{3ACE5B98-1821-4986-AFD3-5533EDEA2127}" type="datetimeFigureOut">
               <a:rPr lang="ko-KR" altLang="en-US" smtClean="0"/>
-              <a:t>2021-08-27</a:t>
+              <a:t>2021-09-02</a:t>
             </a:fld>
             <a:endParaRPr lang="ko-KR" altLang="en-US"/>
           </a:p>
@@ -1148,7 +1153,7 @@
           <a:p>
             <a:fld id="{3ACE5B98-1821-4986-AFD3-5533EDEA2127}" type="datetimeFigureOut">
               <a:rPr lang="ko-KR" altLang="en-US" smtClean="0"/>
-              <a:t>2021-08-27</a:t>
+              <a:t>2021-09-02</a:t>
             </a:fld>
             <a:endParaRPr lang="ko-KR" altLang="en-US"/>
           </a:p>
@@ -1413,7 +1418,7 @@
           <a:p>
             <a:fld id="{3ACE5B98-1821-4986-AFD3-5533EDEA2127}" type="datetimeFigureOut">
               <a:rPr lang="ko-KR" altLang="en-US" smtClean="0"/>
-              <a:t>2021-08-27</a:t>
+              <a:t>2021-09-02</a:t>
             </a:fld>
             <a:endParaRPr lang="ko-KR" altLang="en-US"/>
           </a:p>
@@ -1825,7 +1830,7 @@
           <a:p>
             <a:fld id="{3ACE5B98-1821-4986-AFD3-5533EDEA2127}" type="datetimeFigureOut">
               <a:rPr lang="ko-KR" altLang="en-US" smtClean="0"/>
-              <a:t>2021-08-27</a:t>
+              <a:t>2021-09-02</a:t>
             </a:fld>
             <a:endParaRPr lang="ko-KR" altLang="en-US"/>
           </a:p>
@@ -1966,7 +1971,7 @@
           <a:p>
             <a:fld id="{3ACE5B98-1821-4986-AFD3-5533EDEA2127}" type="datetimeFigureOut">
               <a:rPr lang="ko-KR" altLang="en-US" smtClean="0"/>
-              <a:t>2021-08-27</a:t>
+              <a:t>2021-09-02</a:t>
             </a:fld>
             <a:endParaRPr lang="ko-KR" altLang="en-US"/>
           </a:p>
@@ -2079,7 +2084,7 @@
           <a:p>
             <a:fld id="{3ACE5B98-1821-4986-AFD3-5533EDEA2127}" type="datetimeFigureOut">
               <a:rPr lang="ko-KR" altLang="en-US" smtClean="0"/>
-              <a:t>2021-08-27</a:t>
+              <a:t>2021-09-02</a:t>
             </a:fld>
             <a:endParaRPr lang="ko-KR" altLang="en-US"/>
           </a:p>
@@ -2390,7 +2395,7 @@
           <a:p>
             <a:fld id="{3ACE5B98-1821-4986-AFD3-5533EDEA2127}" type="datetimeFigureOut">
               <a:rPr lang="ko-KR" altLang="en-US" smtClean="0"/>
-              <a:t>2021-08-27</a:t>
+              <a:t>2021-09-02</a:t>
             </a:fld>
             <a:endParaRPr lang="ko-KR" altLang="en-US"/>
           </a:p>
@@ -2678,7 +2683,7 @@
           <a:p>
             <a:fld id="{3ACE5B98-1821-4986-AFD3-5533EDEA2127}" type="datetimeFigureOut">
               <a:rPr lang="ko-KR" altLang="en-US" smtClean="0"/>
-              <a:t>2021-08-27</a:t>
+              <a:t>2021-09-02</a:t>
             </a:fld>
             <a:endParaRPr lang="ko-KR" altLang="en-US"/>
           </a:p>
@@ -2919,7 +2924,7 @@
           <a:p>
             <a:fld id="{3ACE5B98-1821-4986-AFD3-5533EDEA2127}" type="datetimeFigureOut">
               <a:rPr lang="ko-KR" altLang="en-US" smtClean="0"/>
-              <a:t>2021-08-27</a:t>
+              <a:t>2021-09-02</a:t>
             </a:fld>
             <a:endParaRPr lang="ko-KR" altLang="en-US"/>
           </a:p>
@@ -3455,7 +3460,7 @@
           <p:cNvPr id="2" name="제목 1">
             <a:extLst>
               <a:ext uri="{FF2B5EF4-FFF2-40B4-BE49-F238E27FC236}">
-                <a16:creationId xmlns:a16="http://schemas.microsoft.com/office/drawing/2014/main" id="{14D86DF9-8DDB-4F0E-A403-E7D00A3901BD}"/>
+                <a16:creationId xmlns:a16="http://schemas.microsoft.com/office/drawing/2014/main" id="{CEA20763-E466-416D-B563-3EBDF95EB0DA}"/>
               </a:ext>
             </a:extLst>
           </p:cNvPr>
@@ -3473,17 +3478,22 @@
           <a:p>
             <a:r>
               <a:rPr lang="ko-KR" altLang="en-US" dirty="0"/>
-              <a:t>서버 주요부분</a:t>
-            </a:r>
+              <a:t>서버 컴파일 </a:t>
+            </a:r>
+            <a:r>
+              <a:rPr lang="ko-KR" altLang="en-US" dirty="0" err="1"/>
+              <a:t>성공시</a:t>
+            </a:r>
+            <a:endParaRPr lang="ko-KR" altLang="en-US" dirty="0"/>
           </a:p>
         </p:txBody>
       </p:sp>
       <p:pic>
         <p:nvPicPr>
-          <p:cNvPr id="5" name="내용 개체 틀 4" descr="텍스트이(가) 표시된 사진&#10;&#10;자동 생성된 설명">
-            <a:extLst>
-              <a:ext uri="{FF2B5EF4-FFF2-40B4-BE49-F238E27FC236}">
-                <a16:creationId xmlns:a16="http://schemas.microsoft.com/office/drawing/2014/main" id="{98E05190-2BC3-4CAE-B11B-F94EE3E9F6EA}"/>
+          <p:cNvPr id="5" name="내용 개체 틀 4" descr="텍스트, 전자기기이(가) 표시된 사진&#10;&#10;자동 생성된 설명">
+            <a:extLst>
+              <a:ext uri="{FF2B5EF4-FFF2-40B4-BE49-F238E27FC236}">
+                <a16:creationId xmlns:a16="http://schemas.microsoft.com/office/drawing/2014/main" id="{726D9B1A-EF00-4679-A84B-F594541A38E7}"/>
               </a:ext>
             </a:extLst>
           </p:cNvPr>
@@ -3502,117 +3512,27 @@
         </p:blipFill>
         <p:spPr>
           <a:xfrm>
-            <a:off x="917357" y="1690490"/>
-            <a:ext cx="4267570" cy="449619"/>
+            <a:off x="838200" y="1816927"/>
+            <a:ext cx="9819033" cy="1989760"/>
           </a:xfrm>
         </p:spPr>
       </p:pic>
-      <p:pic>
-        <p:nvPicPr>
-          <p:cNvPr id="7" name="그림 6" descr="텍스트이(가) 표시된 사진&#10;&#10;자동 생성된 설명">
-            <a:extLst>
-              <a:ext uri="{FF2B5EF4-FFF2-40B4-BE49-F238E27FC236}">
-                <a16:creationId xmlns:a16="http://schemas.microsoft.com/office/drawing/2014/main" id="{78A98FA8-5E9B-4CDB-B72F-99A4D7188AB8}"/>
-              </a:ext>
-            </a:extLst>
-          </p:cNvPr>
-          <p:cNvPicPr>
-            <a:picLocks noChangeAspect="1"/>
-          </p:cNvPicPr>
+      <p:sp>
+        <p:nvSpPr>
+          <p:cNvPr id="6" name="TextBox 5">
+            <a:extLst>
+              <a:ext uri="{FF2B5EF4-FFF2-40B4-BE49-F238E27FC236}">
+                <a16:creationId xmlns:a16="http://schemas.microsoft.com/office/drawing/2014/main" id="{AF41F714-7A1A-4F91-97BC-94FB18921D6A}"/>
+              </a:ext>
+            </a:extLst>
+          </p:cNvPr>
+          <p:cNvSpPr txBox="1"/>
           <p:nvPr/>
-        </p:nvPicPr>
-        <p:blipFill>
-          <a:blip r:embed="rId3"/>
-          <a:stretch>
-            <a:fillRect/>
-          </a:stretch>
-        </p:blipFill>
+        </p:nvSpPr>
         <p:spPr>
           <a:xfrm>
-            <a:off x="928787" y="3013032"/>
-            <a:ext cx="4031329" cy="678239"/>
-          </a:xfrm>
-          <a:prstGeom prst="rect">
-            <a:avLst/>
-          </a:prstGeom>
-        </p:spPr>
-      </p:pic>
-      <p:pic>
-        <p:nvPicPr>
-          <p:cNvPr id="9" name="그림 8" descr="텍스트이(가) 표시된 사진&#10;&#10;자동 생성된 설명">
-            <a:extLst>
-              <a:ext uri="{FF2B5EF4-FFF2-40B4-BE49-F238E27FC236}">
-                <a16:creationId xmlns:a16="http://schemas.microsoft.com/office/drawing/2014/main" id="{DBB5F405-CE80-45DD-BAFE-AAB1659D55D2}"/>
-              </a:ext>
-            </a:extLst>
-          </p:cNvPr>
-          <p:cNvPicPr>
-            <a:picLocks noChangeAspect="1"/>
-          </p:cNvPicPr>
-          <p:nvPr/>
-        </p:nvPicPr>
-        <p:blipFill>
-          <a:blip r:embed="rId4"/>
-          <a:stretch>
-            <a:fillRect/>
-          </a:stretch>
-        </p:blipFill>
-        <p:spPr>
-          <a:xfrm>
-            <a:off x="917357" y="3886153"/>
-            <a:ext cx="4054191" cy="579170"/>
-          </a:xfrm>
-          <a:prstGeom prst="rect">
-            <a:avLst/>
-          </a:prstGeom>
-        </p:spPr>
-      </p:pic>
-      <p:pic>
-        <p:nvPicPr>
-          <p:cNvPr id="11" name="그림 10" descr="텍스트이(가) 표시된 사진&#10;&#10;자동 생성된 설명">
-            <a:extLst>
-              <a:ext uri="{FF2B5EF4-FFF2-40B4-BE49-F238E27FC236}">
-                <a16:creationId xmlns:a16="http://schemas.microsoft.com/office/drawing/2014/main" id="{20306C5A-5151-495D-B0F6-49F8828275DF}"/>
-              </a:ext>
-            </a:extLst>
-          </p:cNvPr>
-          <p:cNvPicPr>
-            <a:picLocks noChangeAspect="1"/>
-          </p:cNvPicPr>
-          <p:nvPr/>
-        </p:nvPicPr>
-        <p:blipFill>
-          <a:blip r:embed="rId5"/>
-          <a:stretch>
-            <a:fillRect/>
-          </a:stretch>
-        </p:blipFill>
-        <p:spPr>
-          <a:xfrm>
-            <a:off x="838200" y="5212966"/>
-            <a:ext cx="2507197" cy="1112616"/>
-          </a:xfrm>
-          <a:prstGeom prst="rect">
-            <a:avLst/>
-          </a:prstGeom>
-        </p:spPr>
-      </p:pic>
-      <p:sp>
-        <p:nvSpPr>
-          <p:cNvPr id="12" name="TextBox 11">
-            <a:extLst>
-              <a:ext uri="{FF2B5EF4-FFF2-40B4-BE49-F238E27FC236}">
-                <a16:creationId xmlns:a16="http://schemas.microsoft.com/office/drawing/2014/main" id="{DED18604-CBCA-47AF-B345-EA4EB86216F6}"/>
-              </a:ext>
-            </a:extLst>
-          </p:cNvPr>
-          <p:cNvSpPr txBox="1"/>
-          <p:nvPr/>
-        </p:nvSpPr>
-        <p:spPr>
-          <a:xfrm>
-            <a:off x="5640450" y="1506296"/>
-            <a:ext cx="3742089" cy="646331"/>
+            <a:off x="838200" y="4134391"/>
+            <a:ext cx="6437243" cy="646331"/>
           </a:xfrm>
           <a:prstGeom prst="rect">
             <a:avLst/>
@@ -3626,106 +3546,61 @@
           <a:lstStyle/>
           <a:p>
             <a:r>
+              <a:rPr lang="en-US" altLang="ko-KR" dirty="0"/>
+              <a:t>Cp</a:t>
+            </a:r>
+            <a:r>
               <a:rPr lang="ko-KR" altLang="en-US" dirty="0"/>
-              <a:t>클라이언트가 값을 </a:t>
+              <a:t>가 안되고 </a:t>
+            </a:r>
+            <a:r>
+              <a:rPr lang="en-US" altLang="ko-KR" dirty="0"/>
+              <a:t>text file busy</a:t>
+            </a:r>
+            <a:r>
+              <a:rPr lang="ko-KR" altLang="en-US" dirty="0"/>
+              <a:t>라는 오류 발생시 </a:t>
             </a:r>
             <a:r>
               <a:rPr lang="ko-KR" altLang="en-US" dirty="0" err="1"/>
-              <a:t>필드버퍼에서</a:t>
+              <a:t>티맥스를</a:t>
             </a:r>
             <a:r>
               <a:rPr lang="ko-KR" altLang="en-US" dirty="0"/>
-              <a:t> 가져오는 부분</a:t>
-            </a:r>
-          </a:p>
-        </p:txBody>
-      </p:sp>
-      <p:sp>
-        <p:nvSpPr>
-          <p:cNvPr id="13" name="TextBox 12">
-            <a:extLst>
-              <a:ext uri="{FF2B5EF4-FFF2-40B4-BE49-F238E27FC236}">
-                <a16:creationId xmlns:a16="http://schemas.microsoft.com/office/drawing/2014/main" id="{FAE160FE-B123-4279-AC00-1C1283AE555A}"/>
-              </a:ext>
-            </a:extLst>
-          </p:cNvPr>
-          <p:cNvSpPr txBox="1"/>
-          <p:nvPr/>
-        </p:nvSpPr>
-        <p:spPr>
-          <a:xfrm>
-            <a:off x="5640450" y="3368105"/>
-            <a:ext cx="4437828" cy="646331"/>
-          </a:xfrm>
-          <a:prstGeom prst="rect">
-            <a:avLst/>
-          </a:prstGeom>
-          <a:noFill/>
-        </p:spPr>
-        <p:txBody>
-          <a:bodyPr wrap="square" rtlCol="0">
-            <a:spAutoFit/>
-          </a:bodyPr>
-          <a:lstStyle/>
-          <a:p>
+              <a:t> 끄고 컴파일 </a:t>
+            </a:r>
+            <a:r>
+              <a:rPr lang="ko-KR" altLang="en-US" dirty="0" err="1"/>
+              <a:t>해준뒤</a:t>
+            </a:r>
             <a:r>
               <a:rPr lang="ko-KR" altLang="en-US" dirty="0"/>
-              <a:t>트랜잭션이 성공인지 실패인지에 따라 </a:t>
+              <a:t> 다시 </a:t>
             </a:r>
             <a:r>
               <a:rPr lang="ko-KR" altLang="en-US" dirty="0" err="1"/>
-              <a:t>리턴하는</a:t>
+              <a:t>티맥스를</a:t>
             </a:r>
             <a:r>
               <a:rPr lang="ko-KR" altLang="en-US" dirty="0"/>
-              <a:t> 값이 다르다</a:t>
-            </a:r>
-          </a:p>
-        </p:txBody>
-      </p:sp>
-      <p:sp>
-        <p:nvSpPr>
-          <p:cNvPr id="14" name="TextBox 13">
-            <a:extLst>
-              <a:ext uri="{FF2B5EF4-FFF2-40B4-BE49-F238E27FC236}">
-                <a16:creationId xmlns:a16="http://schemas.microsoft.com/office/drawing/2014/main" id="{A14281CC-44DA-458E-9FD0-3E7AF8EEE89A}"/>
-              </a:ext>
-            </a:extLst>
-          </p:cNvPr>
-          <p:cNvSpPr txBox="1"/>
-          <p:nvPr/>
-        </p:nvSpPr>
-        <p:spPr>
-          <a:xfrm>
-            <a:off x="5184927" y="5507187"/>
-            <a:ext cx="4189350" cy="369332"/>
-          </a:xfrm>
-          <a:prstGeom prst="rect">
-            <a:avLst/>
-          </a:prstGeom>
-          <a:noFill/>
-        </p:spPr>
-        <p:txBody>
-          <a:bodyPr wrap="square" rtlCol="0">
-            <a:spAutoFit/>
-          </a:bodyPr>
-          <a:lstStyle/>
-          <a:p>
+              <a:t> </a:t>
+            </a:r>
+            <a:r>
+              <a:rPr lang="ko-KR" altLang="en-US" dirty="0" err="1"/>
+              <a:t>키면된다</a:t>
+            </a:r>
             <a:r>
               <a:rPr lang="en-US" altLang="ko-KR" dirty="0"/>
-              <a:t>C</a:t>
-            </a:r>
-            <a:r>
-              <a:rPr lang="ko-KR" altLang="en-US" dirty="0"/>
-              <a:t>언어 내에서 사용하는 쿼리문의 예시</a:t>
-            </a:r>
+              <a:t>.</a:t>
+            </a:r>
+            <a:endParaRPr lang="ko-KR" altLang="en-US" dirty="0"/>
           </a:p>
         </p:txBody>
       </p:sp>
     </p:spTree>
     <p:extLst>
       <p:ext uri="{BB962C8B-B14F-4D97-AF65-F5344CB8AC3E}">
-        <p14:creationId xmlns:p14="http://schemas.microsoft.com/office/powerpoint/2010/main" val="1106880930"/>
+        <p14:creationId xmlns:p14="http://schemas.microsoft.com/office/powerpoint/2010/main" val="2697084092"/>
       </p:ext>
     </p:extLst>
   </p:cSld>
@@ -3757,7 +3632,7 @@
           <p:cNvPr id="2" name="제목 1">
             <a:extLst>
               <a:ext uri="{FF2B5EF4-FFF2-40B4-BE49-F238E27FC236}">
-                <a16:creationId xmlns:a16="http://schemas.microsoft.com/office/drawing/2014/main" id="{006783C3-AE23-40ED-B0A2-A274AFFEB645}"/>
+                <a16:creationId xmlns:a16="http://schemas.microsoft.com/office/drawing/2014/main" id="{14D86DF9-8DDB-4F0E-A403-E7D00A3901BD}"/>
               </a:ext>
             </a:extLst>
           </p:cNvPr>
@@ -3775,78 +3650,259 @@
           <a:p>
             <a:r>
               <a:rPr lang="ko-KR" altLang="en-US" dirty="0"/>
-              <a:t>클라이언트 컴파일</a:t>
-            </a:r>
-          </a:p>
-        </p:txBody>
-      </p:sp>
-      <p:sp>
-        <p:nvSpPr>
-          <p:cNvPr id="3" name="내용 개체 틀 2">
-            <a:extLst>
-              <a:ext uri="{FF2B5EF4-FFF2-40B4-BE49-F238E27FC236}">
-                <a16:creationId xmlns:a16="http://schemas.microsoft.com/office/drawing/2014/main" id="{BC1E01E0-D6AC-47C9-8E62-8AB15DE5A97E}"/>
-              </a:ext>
-            </a:extLst>
-          </p:cNvPr>
-          <p:cNvSpPr>
-            <a:spLocks noGrp="1"/>
-          </p:cNvSpPr>
+              <a:t>서버 주요부분</a:t>
+            </a:r>
+          </a:p>
+        </p:txBody>
+      </p:sp>
+      <p:pic>
+        <p:nvPicPr>
+          <p:cNvPr id="5" name="내용 개체 틀 4" descr="텍스트이(가) 표시된 사진&#10;&#10;자동 생성된 설명">
+            <a:extLst>
+              <a:ext uri="{FF2B5EF4-FFF2-40B4-BE49-F238E27FC236}">
+                <a16:creationId xmlns:a16="http://schemas.microsoft.com/office/drawing/2014/main" id="{98E05190-2BC3-4CAE-B11B-F94EE3E9F6EA}"/>
+              </a:ext>
+            </a:extLst>
+          </p:cNvPr>
+          <p:cNvPicPr>
+            <a:picLocks noGrp="1" noChangeAspect="1"/>
+          </p:cNvPicPr>
           <p:nvPr>
             <p:ph idx="1"/>
           </p:nvPr>
-        </p:nvSpPr>
-        <p:spPr/>
-        <p:txBody>
-          <a:bodyPr>
-            <a:normAutofit/>
+        </p:nvPicPr>
+        <p:blipFill>
+          <a:blip r:embed="rId2"/>
+          <a:stretch>
+            <a:fillRect/>
+          </a:stretch>
+        </p:blipFill>
+        <p:spPr>
+          <a:xfrm>
+            <a:off x="917357" y="1690490"/>
+            <a:ext cx="4267570" cy="449619"/>
+          </a:xfrm>
+        </p:spPr>
+      </p:pic>
+      <p:pic>
+        <p:nvPicPr>
+          <p:cNvPr id="7" name="그림 6" descr="텍스트이(가) 표시된 사진&#10;&#10;자동 생성된 설명">
+            <a:extLst>
+              <a:ext uri="{FF2B5EF4-FFF2-40B4-BE49-F238E27FC236}">
+                <a16:creationId xmlns:a16="http://schemas.microsoft.com/office/drawing/2014/main" id="{78A98FA8-5E9B-4CDB-B72F-99A4D7188AB8}"/>
+              </a:ext>
+            </a:extLst>
+          </p:cNvPr>
+          <p:cNvPicPr>
+            <a:picLocks noChangeAspect="1"/>
+          </p:cNvPicPr>
+          <p:nvPr/>
+        </p:nvPicPr>
+        <p:blipFill>
+          <a:blip r:embed="rId3"/>
+          <a:stretch>
+            <a:fillRect/>
+          </a:stretch>
+        </p:blipFill>
+        <p:spPr>
+          <a:xfrm>
+            <a:off x="928787" y="3013032"/>
+            <a:ext cx="4031329" cy="678239"/>
+          </a:xfrm>
+          <a:prstGeom prst="rect">
+            <a:avLst/>
+          </a:prstGeom>
+        </p:spPr>
+      </p:pic>
+      <p:pic>
+        <p:nvPicPr>
+          <p:cNvPr id="9" name="그림 8" descr="텍스트이(가) 표시된 사진&#10;&#10;자동 생성된 설명">
+            <a:extLst>
+              <a:ext uri="{FF2B5EF4-FFF2-40B4-BE49-F238E27FC236}">
+                <a16:creationId xmlns:a16="http://schemas.microsoft.com/office/drawing/2014/main" id="{DBB5F405-CE80-45DD-BAFE-AAB1659D55D2}"/>
+              </a:ext>
+            </a:extLst>
+          </p:cNvPr>
+          <p:cNvPicPr>
+            <a:picLocks noChangeAspect="1"/>
+          </p:cNvPicPr>
+          <p:nvPr/>
+        </p:nvPicPr>
+        <p:blipFill>
+          <a:blip r:embed="rId4"/>
+          <a:stretch>
+            <a:fillRect/>
+          </a:stretch>
+        </p:blipFill>
+        <p:spPr>
+          <a:xfrm>
+            <a:off x="917357" y="3886153"/>
+            <a:ext cx="4054191" cy="579170"/>
+          </a:xfrm>
+          <a:prstGeom prst="rect">
+            <a:avLst/>
+          </a:prstGeom>
+        </p:spPr>
+      </p:pic>
+      <p:pic>
+        <p:nvPicPr>
+          <p:cNvPr id="11" name="그림 10" descr="텍스트이(가) 표시된 사진&#10;&#10;자동 생성된 설명">
+            <a:extLst>
+              <a:ext uri="{FF2B5EF4-FFF2-40B4-BE49-F238E27FC236}">
+                <a16:creationId xmlns:a16="http://schemas.microsoft.com/office/drawing/2014/main" id="{20306C5A-5151-495D-B0F6-49F8828275DF}"/>
+              </a:ext>
+            </a:extLst>
+          </p:cNvPr>
+          <p:cNvPicPr>
+            <a:picLocks noChangeAspect="1"/>
+          </p:cNvPicPr>
+          <p:nvPr/>
+        </p:nvPicPr>
+        <p:blipFill>
+          <a:blip r:embed="rId5"/>
+          <a:stretch>
+            <a:fillRect/>
+          </a:stretch>
+        </p:blipFill>
+        <p:spPr>
+          <a:xfrm>
+            <a:off x="838200" y="5212966"/>
+            <a:ext cx="2507197" cy="1112616"/>
+          </a:xfrm>
+          <a:prstGeom prst="rect">
+            <a:avLst/>
+          </a:prstGeom>
+        </p:spPr>
+      </p:pic>
+      <p:sp>
+        <p:nvSpPr>
+          <p:cNvPr id="12" name="TextBox 11">
+            <a:extLst>
+              <a:ext uri="{FF2B5EF4-FFF2-40B4-BE49-F238E27FC236}">
+                <a16:creationId xmlns:a16="http://schemas.microsoft.com/office/drawing/2014/main" id="{DED18604-CBCA-47AF-B345-EA4EB86216F6}"/>
+              </a:ext>
+            </a:extLst>
+          </p:cNvPr>
+          <p:cNvSpPr txBox="1"/>
+          <p:nvPr/>
+        </p:nvSpPr>
+        <p:spPr>
+          <a:xfrm>
+            <a:off x="5640450" y="1506296"/>
+            <a:ext cx="3742089" cy="646331"/>
+          </a:xfrm>
+          <a:prstGeom prst="rect">
+            <a:avLst/>
+          </a:prstGeom>
+          <a:noFill/>
+        </p:spPr>
+        <p:txBody>
+          <a:bodyPr wrap="square" rtlCol="0">
+            <a:spAutoFit/>
           </a:bodyPr>
           <a:lstStyle/>
           <a:p>
             <a:r>
-              <a:rPr lang="en-US" altLang="ko-KR" sz="2400" dirty="0" err="1"/>
-              <a:t>gcc</a:t>
-            </a:r>
-            <a:r>
-              <a:rPr lang="en-US" altLang="ko-KR" sz="2400" dirty="0"/>
-              <a:t> -O -I$(TMAXDIR) -o </a:t>
-            </a:r>
-            <a:r>
-              <a:rPr lang="en-US" altLang="ko-KR" sz="2400" dirty="0" err="1"/>
-              <a:t>bank_client</a:t>
-            </a:r>
-            <a:r>
-              <a:rPr lang="en-US" altLang="ko-KR" sz="2400" dirty="0"/>
-              <a:t> </a:t>
-            </a:r>
-            <a:r>
-              <a:rPr lang="en-US" altLang="ko-KR" sz="2400" dirty="0" err="1"/>
-              <a:t>bank_client.c</a:t>
-            </a:r>
-            <a:r>
-              <a:rPr lang="en-US" altLang="ko-KR" sz="2400" dirty="0"/>
-              <a:t> -L$(TMAXDIR)/lib64 -</a:t>
-            </a:r>
-            <a:r>
-              <a:rPr lang="en-US" altLang="ko-KR" sz="2400" dirty="0" err="1"/>
-              <a:t>lcli</a:t>
-            </a:r>
-            <a:r>
-              <a:rPr lang="en-US" altLang="ko-KR" sz="2400" dirty="0"/>
-              <a:t> -</a:t>
-            </a:r>
-            <a:r>
-              <a:rPr lang="en-US" altLang="ko-KR" sz="2400" dirty="0" err="1"/>
-              <a:t>lnsl</a:t>
-            </a:r>
-            <a:endParaRPr lang="ko-KR" altLang="en-US" sz="2400" dirty="0"/>
+              <a:rPr lang="ko-KR" altLang="en-US" dirty="0"/>
+              <a:t>클라이언트가 값을 </a:t>
+            </a:r>
+            <a:r>
+              <a:rPr lang="ko-KR" altLang="en-US" dirty="0" err="1"/>
+              <a:t>필드버퍼에서</a:t>
+            </a:r>
+            <a:r>
+              <a:rPr lang="ko-KR" altLang="en-US" dirty="0"/>
+              <a:t> 가져오는 부분</a:t>
+            </a:r>
+          </a:p>
+        </p:txBody>
+      </p:sp>
+      <p:sp>
+        <p:nvSpPr>
+          <p:cNvPr id="13" name="TextBox 12">
+            <a:extLst>
+              <a:ext uri="{FF2B5EF4-FFF2-40B4-BE49-F238E27FC236}">
+                <a16:creationId xmlns:a16="http://schemas.microsoft.com/office/drawing/2014/main" id="{FAE160FE-B123-4279-AC00-1C1283AE555A}"/>
+              </a:ext>
+            </a:extLst>
+          </p:cNvPr>
+          <p:cNvSpPr txBox="1"/>
+          <p:nvPr/>
+        </p:nvSpPr>
+        <p:spPr>
+          <a:xfrm>
+            <a:off x="5640450" y="3368105"/>
+            <a:ext cx="4437828" cy="646331"/>
+          </a:xfrm>
+          <a:prstGeom prst="rect">
+            <a:avLst/>
+          </a:prstGeom>
+          <a:noFill/>
+        </p:spPr>
+        <p:txBody>
+          <a:bodyPr wrap="square" rtlCol="0">
+            <a:spAutoFit/>
+          </a:bodyPr>
+          <a:lstStyle/>
+          <a:p>
+            <a:r>
+              <a:rPr lang="ko-KR" altLang="en-US" dirty="0"/>
+              <a:t>트랜잭션이 성공인지 실패인지에 따라 </a:t>
+            </a:r>
+            <a:r>
+              <a:rPr lang="ko-KR" altLang="en-US" dirty="0" err="1"/>
+              <a:t>리턴하는</a:t>
+            </a:r>
+            <a:r>
+              <a:rPr lang="ko-KR" altLang="en-US" dirty="0"/>
+              <a:t> 값이 다르다</a:t>
+            </a:r>
+          </a:p>
+        </p:txBody>
+      </p:sp>
+      <p:sp>
+        <p:nvSpPr>
+          <p:cNvPr id="14" name="TextBox 13">
+            <a:extLst>
+              <a:ext uri="{FF2B5EF4-FFF2-40B4-BE49-F238E27FC236}">
+                <a16:creationId xmlns:a16="http://schemas.microsoft.com/office/drawing/2014/main" id="{A14281CC-44DA-458E-9FD0-3E7AF8EEE89A}"/>
+              </a:ext>
+            </a:extLst>
+          </p:cNvPr>
+          <p:cNvSpPr txBox="1"/>
+          <p:nvPr/>
+        </p:nvSpPr>
+        <p:spPr>
+          <a:xfrm>
+            <a:off x="5184927" y="5507187"/>
+            <a:ext cx="4189350" cy="369332"/>
+          </a:xfrm>
+          <a:prstGeom prst="rect">
+            <a:avLst/>
+          </a:prstGeom>
+          <a:noFill/>
+        </p:spPr>
+        <p:txBody>
+          <a:bodyPr wrap="square" rtlCol="0">
+            <a:spAutoFit/>
+          </a:bodyPr>
+          <a:lstStyle/>
+          <a:p>
+            <a:r>
+              <a:rPr lang="en-US" altLang="ko-KR" dirty="0"/>
+              <a:t>C</a:t>
+            </a:r>
+            <a:r>
+              <a:rPr lang="ko-KR" altLang="en-US" dirty="0"/>
+              <a:t>언어 내에서 사용하는 쿼리문의 예시</a:t>
+            </a:r>
           </a:p>
         </p:txBody>
       </p:sp>
     </p:spTree>
     <p:extLst>
       <p:ext uri="{BB962C8B-B14F-4D97-AF65-F5344CB8AC3E}">
-        <p14:creationId xmlns:p14="http://schemas.microsoft.com/office/powerpoint/2010/main" val="1864047133"/>
+        <p14:creationId xmlns:p14="http://schemas.microsoft.com/office/powerpoint/2010/main" val="1106880930"/>
       </p:ext>
     </p:extLst>
   </p:cSld>
@@ -3878,7 +3934,7 @@
           <p:cNvPr id="2" name="제목 1">
             <a:extLst>
               <a:ext uri="{FF2B5EF4-FFF2-40B4-BE49-F238E27FC236}">
-                <a16:creationId xmlns:a16="http://schemas.microsoft.com/office/drawing/2014/main" id="{38982643-0C32-42D9-B6AB-4EC0797EA4F2}"/>
+                <a16:creationId xmlns:a16="http://schemas.microsoft.com/office/drawing/2014/main" id="{006783C3-AE23-40ED-B0A2-A274AFFEB645}"/>
               </a:ext>
             </a:extLst>
           </p:cNvPr>
@@ -3889,255 +3945,85 @@
             <p:ph type="title"/>
           </p:nvPr>
         </p:nvSpPr>
-        <p:spPr>
-          <a:xfrm>
-            <a:off x="838200" y="400984"/>
-            <a:ext cx="10515600" cy="1325563"/>
-          </a:xfrm>
-        </p:spPr>
+        <p:spPr/>
         <p:txBody>
           <a:bodyPr/>
           <a:lstStyle/>
           <a:p>
             <a:r>
               <a:rPr lang="ko-KR" altLang="en-US" dirty="0"/>
-              <a:t>클라이언트 주요부분</a:t>
-            </a:r>
-          </a:p>
-        </p:txBody>
-      </p:sp>
-      <p:pic>
-        <p:nvPicPr>
-          <p:cNvPr id="5" name="내용 개체 틀 4" descr="텍스트이(가) 표시된 사진&#10;&#10;자동 생성된 설명">
-            <a:extLst>
-              <a:ext uri="{FF2B5EF4-FFF2-40B4-BE49-F238E27FC236}">
-                <a16:creationId xmlns:a16="http://schemas.microsoft.com/office/drawing/2014/main" id="{410571C8-A213-46F9-A4F0-B79C3FAE7951}"/>
-              </a:ext>
-            </a:extLst>
-          </p:cNvPr>
-          <p:cNvPicPr>
-            <a:picLocks noGrp="1" noChangeAspect="1"/>
-          </p:cNvPicPr>
+              <a:t>클라이언트 컴파일</a:t>
+            </a:r>
+          </a:p>
+        </p:txBody>
+      </p:sp>
+      <p:sp>
+        <p:nvSpPr>
+          <p:cNvPr id="3" name="내용 개체 틀 2">
+            <a:extLst>
+              <a:ext uri="{FF2B5EF4-FFF2-40B4-BE49-F238E27FC236}">
+                <a16:creationId xmlns:a16="http://schemas.microsoft.com/office/drawing/2014/main" id="{BC1E01E0-D6AC-47C9-8E62-8AB15DE5A97E}"/>
+              </a:ext>
+            </a:extLst>
+          </p:cNvPr>
+          <p:cNvSpPr>
+            <a:spLocks noGrp="1"/>
+          </p:cNvSpPr>
           <p:nvPr>
             <p:ph idx="1"/>
           </p:nvPr>
-        </p:nvPicPr>
-        <p:blipFill>
-          <a:blip r:embed="rId2"/>
-          <a:stretch>
-            <a:fillRect/>
-          </a:stretch>
-        </p:blipFill>
-        <p:spPr>
-          <a:xfrm>
-            <a:off x="834523" y="1466348"/>
-            <a:ext cx="3170195" cy="1143099"/>
-          </a:xfrm>
-        </p:spPr>
-      </p:pic>
-      <p:pic>
-        <p:nvPicPr>
-          <p:cNvPr id="7" name="그림 6" descr="텍스트이(가) 표시된 사진&#10;&#10;자동 생성된 설명">
-            <a:extLst>
-              <a:ext uri="{FF2B5EF4-FFF2-40B4-BE49-F238E27FC236}">
-                <a16:creationId xmlns:a16="http://schemas.microsoft.com/office/drawing/2014/main" id="{CD52106D-082F-49CD-B933-E6BACE6F4830}"/>
-              </a:ext>
-            </a:extLst>
-          </p:cNvPr>
-          <p:cNvPicPr>
-            <a:picLocks noChangeAspect="1"/>
-          </p:cNvPicPr>
-          <p:nvPr/>
-        </p:nvPicPr>
-        <p:blipFill>
-          <a:blip r:embed="rId3"/>
-          <a:stretch>
-            <a:fillRect/>
-          </a:stretch>
-        </p:blipFill>
-        <p:spPr>
-          <a:xfrm>
-            <a:off x="834523" y="3487148"/>
-            <a:ext cx="3078747" cy="624894"/>
-          </a:xfrm>
-          <a:prstGeom prst="rect">
-            <a:avLst/>
-          </a:prstGeom>
-        </p:spPr>
-      </p:pic>
-      <p:pic>
-        <p:nvPicPr>
-          <p:cNvPr id="11" name="그림 10">
-            <a:extLst>
-              <a:ext uri="{FF2B5EF4-FFF2-40B4-BE49-F238E27FC236}">
-                <a16:creationId xmlns:a16="http://schemas.microsoft.com/office/drawing/2014/main" id="{E780691E-6F2B-45CF-B4E1-20D0F74E6792}"/>
-              </a:ext>
-            </a:extLst>
-          </p:cNvPr>
-          <p:cNvPicPr>
-            <a:picLocks noChangeAspect="1"/>
-          </p:cNvPicPr>
-          <p:nvPr/>
-        </p:nvPicPr>
-        <p:blipFill>
-          <a:blip r:embed="rId4"/>
-          <a:stretch>
-            <a:fillRect/>
-          </a:stretch>
-        </p:blipFill>
-        <p:spPr>
-          <a:xfrm>
-            <a:off x="834523" y="5056227"/>
-            <a:ext cx="7686200" cy="624894"/>
-          </a:xfrm>
-          <a:prstGeom prst="rect">
-            <a:avLst/>
-          </a:prstGeom>
-        </p:spPr>
-      </p:pic>
-      <p:pic>
-        <p:nvPicPr>
-          <p:cNvPr id="21" name="그림 20" descr="텍스트이(가) 표시된 사진&#10;&#10;자동 생성된 설명">
-            <a:extLst>
-              <a:ext uri="{FF2B5EF4-FFF2-40B4-BE49-F238E27FC236}">
-                <a16:creationId xmlns:a16="http://schemas.microsoft.com/office/drawing/2014/main" id="{8CA8BC8A-C090-44BD-A8CD-D2E8A1901FE5}"/>
-              </a:ext>
-            </a:extLst>
-          </p:cNvPr>
-          <p:cNvPicPr>
-            <a:picLocks noChangeAspect="1"/>
-          </p:cNvPicPr>
-          <p:nvPr/>
-        </p:nvPicPr>
-        <p:blipFill>
-          <a:blip r:embed="rId5"/>
-          <a:stretch>
-            <a:fillRect/>
-          </a:stretch>
-        </p:blipFill>
-        <p:spPr>
-          <a:xfrm>
-            <a:off x="4561585" y="1489326"/>
-            <a:ext cx="2751058" cy="1173582"/>
-          </a:xfrm>
-          <a:prstGeom prst="rect">
-            <a:avLst/>
-          </a:prstGeom>
-        </p:spPr>
-      </p:pic>
-      <p:sp>
-        <p:nvSpPr>
-          <p:cNvPr id="23" name="TextBox 22">
-            <a:extLst>
-              <a:ext uri="{FF2B5EF4-FFF2-40B4-BE49-F238E27FC236}">
-                <a16:creationId xmlns:a16="http://schemas.microsoft.com/office/drawing/2014/main" id="{186A1F29-7F8D-4866-A17C-EE8E86FFF46D}"/>
-              </a:ext>
-            </a:extLst>
-          </p:cNvPr>
-          <p:cNvSpPr txBox="1"/>
-          <p:nvPr/>
-        </p:nvSpPr>
-        <p:spPr>
-          <a:xfrm>
-            <a:off x="8044991" y="1726547"/>
-            <a:ext cx="3308809" cy="461665"/>
-          </a:xfrm>
-          <a:prstGeom prst="rect">
-            <a:avLst/>
-          </a:prstGeom>
-          <a:noFill/>
-        </p:spPr>
-        <p:txBody>
-          <a:bodyPr wrap="square" rtlCol="0">
-            <a:spAutoFit/>
+        </p:nvSpPr>
+        <p:spPr/>
+        <p:txBody>
+          <a:bodyPr>
+            <a:normAutofit/>
           </a:bodyPr>
           <a:lstStyle/>
           <a:p>
             <a:r>
-              <a:rPr lang="ko-KR" altLang="en-US" sz="2400" dirty="0"/>
-              <a:t>트랜잭션 시작을 알림</a:t>
-            </a:r>
-          </a:p>
-        </p:txBody>
-      </p:sp>
-      <p:sp>
-        <p:nvSpPr>
-          <p:cNvPr id="24" name="TextBox 23">
-            <a:extLst>
-              <a:ext uri="{FF2B5EF4-FFF2-40B4-BE49-F238E27FC236}">
-                <a16:creationId xmlns:a16="http://schemas.microsoft.com/office/drawing/2014/main" id="{7A943B2D-9CC3-4949-9388-39CF4761DBED}"/>
-              </a:ext>
-            </a:extLst>
-          </p:cNvPr>
-          <p:cNvSpPr txBox="1"/>
-          <p:nvPr/>
-        </p:nvSpPr>
-        <p:spPr>
-          <a:xfrm>
-            <a:off x="4329722" y="3645748"/>
-            <a:ext cx="4185501" cy="369332"/>
-          </a:xfrm>
-          <a:prstGeom prst="rect">
-            <a:avLst/>
-          </a:prstGeom>
-          <a:noFill/>
-        </p:spPr>
-        <p:txBody>
-          <a:bodyPr wrap="square" rtlCol="0">
-            <a:spAutoFit/>
-          </a:bodyPr>
-          <a:lstStyle/>
-          <a:p>
-            <a:r>
-              <a:rPr lang="ko-KR" altLang="en-US" dirty="0"/>
-              <a:t>사용할 </a:t>
-            </a:r>
-            <a:r>
-              <a:rPr lang="ko-KR" altLang="en-US"/>
-              <a:t>버퍼를 메모리에 할당</a:t>
-            </a:r>
-          </a:p>
-        </p:txBody>
-      </p:sp>
-      <p:sp>
-        <p:nvSpPr>
-          <p:cNvPr id="25" name="TextBox 24">
-            <a:extLst>
-              <a:ext uri="{FF2B5EF4-FFF2-40B4-BE49-F238E27FC236}">
-                <a16:creationId xmlns:a16="http://schemas.microsoft.com/office/drawing/2014/main" id="{3A3B29E0-BD60-4A0C-9E91-1075632B4E64}"/>
-              </a:ext>
-            </a:extLst>
-          </p:cNvPr>
-          <p:cNvSpPr txBox="1"/>
-          <p:nvPr/>
-        </p:nvSpPr>
-        <p:spPr>
-          <a:xfrm>
-            <a:off x="8795208" y="5131454"/>
-            <a:ext cx="2558592" cy="646331"/>
-          </a:xfrm>
-          <a:prstGeom prst="rect">
-            <a:avLst/>
-          </a:prstGeom>
-          <a:noFill/>
-        </p:spPr>
-        <p:txBody>
-          <a:bodyPr wrap="square" rtlCol="0">
-            <a:spAutoFit/>
-          </a:bodyPr>
-          <a:lstStyle/>
-          <a:p>
-            <a:r>
-              <a:rPr lang="ko-KR" altLang="en-US" dirty="0"/>
-              <a:t>버퍼에 값을 할당하고 서버를 부른다</a:t>
-            </a:r>
+              <a:rPr lang="en-US" altLang="ko-KR" sz="2400" dirty="0" err="1"/>
+              <a:t>gcc</a:t>
+            </a:r>
+            <a:r>
+              <a:rPr lang="en-US" altLang="ko-KR" sz="2400" dirty="0"/>
+              <a:t> -O -I$(TMAXDIR) -o </a:t>
+            </a:r>
+            <a:r>
+              <a:rPr lang="en-US" altLang="ko-KR" sz="2400" dirty="0" err="1"/>
+              <a:t>bank_client</a:t>
+            </a:r>
+            <a:r>
+              <a:rPr lang="en-US" altLang="ko-KR" sz="2400" dirty="0"/>
+              <a:t> </a:t>
+            </a:r>
+            <a:r>
+              <a:rPr lang="en-US" altLang="ko-KR" sz="2400" dirty="0" err="1"/>
+              <a:t>bank_client.c</a:t>
+            </a:r>
+            <a:r>
+              <a:rPr lang="en-US" altLang="ko-KR" sz="2400" dirty="0"/>
+              <a:t> -L$(TMAXDIR)/lib64 -</a:t>
+            </a:r>
+            <a:r>
+              <a:rPr lang="en-US" altLang="ko-KR" sz="2400" dirty="0" err="1"/>
+              <a:t>lcli</a:t>
+            </a:r>
+            <a:r>
+              <a:rPr lang="en-US" altLang="ko-KR" sz="2400" dirty="0"/>
+              <a:t> -</a:t>
+            </a:r>
+            <a:r>
+              <a:rPr lang="en-US" altLang="ko-KR" sz="2400" dirty="0" err="1"/>
+              <a:t>lnsl</a:t>
+            </a:r>
+            <a:endParaRPr lang="ko-KR" altLang="en-US" sz="2400" dirty="0"/>
           </a:p>
         </p:txBody>
       </p:sp>
     </p:spTree>
     <p:extLst>
       <p:ext uri="{BB962C8B-B14F-4D97-AF65-F5344CB8AC3E}">
-        <p14:creationId xmlns:p14="http://schemas.microsoft.com/office/powerpoint/2010/main" val="2579499566"/>
+        <p14:creationId xmlns:p14="http://schemas.microsoft.com/office/powerpoint/2010/main" val="1864047133"/>
       </p:ext>
     </p:extLst>
   </p:cSld>
@@ -4169,7 +4055,7 @@
           <p:cNvPr id="2" name="제목 1">
             <a:extLst>
               <a:ext uri="{FF2B5EF4-FFF2-40B4-BE49-F238E27FC236}">
-                <a16:creationId xmlns:a16="http://schemas.microsoft.com/office/drawing/2014/main" id="{97244B62-B3ED-4603-9AB9-C8F7DE2DC72D}"/>
+                <a16:creationId xmlns:a16="http://schemas.microsoft.com/office/drawing/2014/main" id="{38982643-0C32-42D9-B6AB-4EC0797EA4F2}"/>
               </a:ext>
             </a:extLst>
           </p:cNvPr>
@@ -4180,7 +4066,12 @@
             <p:ph type="title"/>
           </p:nvPr>
         </p:nvSpPr>
-        <p:spPr/>
+        <p:spPr>
+          <a:xfrm>
+            <a:off x="838200" y="400984"/>
+            <a:ext cx="10515600" cy="1325563"/>
+          </a:xfrm>
+        </p:spPr>
         <p:txBody>
           <a:bodyPr/>
           <a:lstStyle/>
@@ -4194,17 +4085,19 @@
       </p:sp>
       <p:pic>
         <p:nvPicPr>
-          <p:cNvPr id="4" name="그림 3" descr="텍스트이(가) 표시된 사진&#10;&#10;자동 생성된 설명">
-            <a:extLst>
-              <a:ext uri="{FF2B5EF4-FFF2-40B4-BE49-F238E27FC236}">
-                <a16:creationId xmlns:a16="http://schemas.microsoft.com/office/drawing/2014/main" id="{3E4FA6FF-D8E6-411C-ACF1-1434D668A9DB}"/>
+          <p:cNvPr id="5" name="내용 개체 틀 4" descr="텍스트이(가) 표시된 사진&#10;&#10;자동 생성된 설명">
+            <a:extLst>
+              <a:ext uri="{FF2B5EF4-FFF2-40B4-BE49-F238E27FC236}">
+                <a16:creationId xmlns:a16="http://schemas.microsoft.com/office/drawing/2014/main" id="{410571C8-A213-46F9-A4F0-B79C3FAE7951}"/>
               </a:ext>
             </a:extLst>
           </p:cNvPr>
           <p:cNvPicPr>
-            <a:picLocks noChangeAspect="1"/>
+            <a:picLocks noGrp="1" noChangeAspect="1"/>
           </p:cNvPicPr>
-          <p:nvPr/>
+          <p:nvPr>
+            <p:ph idx="1"/>
+          </p:nvPr>
         </p:nvPicPr>
         <p:blipFill>
           <a:blip r:embed="rId2"/>
@@ -4214,20 +4107,17 @@
         </p:blipFill>
         <p:spPr>
           <a:xfrm>
-            <a:off x="1107626" y="5365869"/>
-            <a:ext cx="2640792" cy="982374"/>
+            <a:off x="834523" y="1466348"/>
+            <a:ext cx="3170195" cy="1143099"/>
           </a:xfrm>
-          <a:prstGeom prst="rect">
-            <a:avLst/>
-          </a:prstGeom>
         </p:spPr>
       </p:pic>
       <p:pic>
         <p:nvPicPr>
-          <p:cNvPr id="6" name="그림 5" descr="텍스트이(가) 표시된 사진&#10;&#10;자동 생성된 설명">
-            <a:extLst>
-              <a:ext uri="{FF2B5EF4-FFF2-40B4-BE49-F238E27FC236}">
-                <a16:creationId xmlns:a16="http://schemas.microsoft.com/office/drawing/2014/main" id="{2B420CB1-3616-4462-9918-CE9E180D793C}"/>
+          <p:cNvPr id="7" name="그림 6" descr="텍스트이(가) 표시된 사진&#10;&#10;자동 생성된 설명">
+            <a:extLst>
+              <a:ext uri="{FF2B5EF4-FFF2-40B4-BE49-F238E27FC236}">
+                <a16:creationId xmlns:a16="http://schemas.microsoft.com/office/drawing/2014/main" id="{CD52106D-082F-49CD-B933-E6BACE6F4830}"/>
               </a:ext>
             </a:extLst>
           </p:cNvPr>
@@ -4244,8 +4134,8 @@
         </p:blipFill>
         <p:spPr>
           <a:xfrm>
-            <a:off x="962520" y="3683569"/>
-            <a:ext cx="3307367" cy="1303133"/>
+            <a:off x="834523" y="3487148"/>
+            <a:ext cx="3078747" cy="624894"/>
           </a:xfrm>
           <a:prstGeom prst="rect">
             <a:avLst/>
@@ -4254,10 +4144,10 @@
       </p:pic>
       <p:pic>
         <p:nvPicPr>
-          <p:cNvPr id="9" name="그림 8" descr="텍스트이(가) 표시된 사진&#10;&#10;자동 생성된 설명">
-            <a:extLst>
-              <a:ext uri="{FF2B5EF4-FFF2-40B4-BE49-F238E27FC236}">
-                <a16:creationId xmlns:a16="http://schemas.microsoft.com/office/drawing/2014/main" id="{5198866D-0DDF-4D4F-B257-285B5ABAE0D5}"/>
+          <p:cNvPr id="11" name="그림 10">
+            <a:extLst>
+              <a:ext uri="{FF2B5EF4-FFF2-40B4-BE49-F238E27FC236}">
+                <a16:creationId xmlns:a16="http://schemas.microsoft.com/office/drawing/2014/main" id="{E780691E-6F2B-45CF-B4E1-20D0F74E6792}"/>
               </a:ext>
             </a:extLst>
           </p:cNvPr>
@@ -4274,20 +4164,50 @@
         </p:blipFill>
         <p:spPr>
           <a:xfrm>
-            <a:off x="962520" y="2069855"/>
-            <a:ext cx="3650296" cy="1234547"/>
+            <a:off x="834523" y="5056227"/>
+            <a:ext cx="7686200" cy="624894"/>
           </a:xfrm>
           <a:prstGeom prst="rect">
             <a:avLst/>
           </a:prstGeom>
         </p:spPr>
       </p:pic>
-      <p:sp>
-        <p:nvSpPr>
-          <p:cNvPr id="10" name="TextBox 9">
-            <a:extLst>
-              <a:ext uri="{FF2B5EF4-FFF2-40B4-BE49-F238E27FC236}">
-                <a16:creationId xmlns:a16="http://schemas.microsoft.com/office/drawing/2014/main" id="{8D28811B-201F-4B06-ADFB-5674C7E9C354}"/>
+      <p:pic>
+        <p:nvPicPr>
+          <p:cNvPr id="21" name="그림 20" descr="텍스트이(가) 표시된 사진&#10;&#10;자동 생성된 설명">
+            <a:extLst>
+              <a:ext uri="{FF2B5EF4-FFF2-40B4-BE49-F238E27FC236}">
+                <a16:creationId xmlns:a16="http://schemas.microsoft.com/office/drawing/2014/main" id="{8CA8BC8A-C090-44BD-A8CD-D2E8A1901FE5}"/>
+              </a:ext>
+            </a:extLst>
+          </p:cNvPr>
+          <p:cNvPicPr>
+            <a:picLocks noChangeAspect="1"/>
+          </p:cNvPicPr>
+          <p:nvPr/>
+        </p:nvPicPr>
+        <p:blipFill>
+          <a:blip r:embed="rId5"/>
+          <a:stretch>
+            <a:fillRect/>
+          </a:stretch>
+        </p:blipFill>
+        <p:spPr>
+          <a:xfrm>
+            <a:off x="4561585" y="1489326"/>
+            <a:ext cx="2751058" cy="1173582"/>
+          </a:xfrm>
+          <a:prstGeom prst="rect">
+            <a:avLst/>
+          </a:prstGeom>
+        </p:spPr>
+      </p:pic>
+      <p:sp>
+        <p:nvSpPr>
+          <p:cNvPr id="23" name="TextBox 22">
+            <a:extLst>
+              <a:ext uri="{FF2B5EF4-FFF2-40B4-BE49-F238E27FC236}">
+                <a16:creationId xmlns:a16="http://schemas.microsoft.com/office/drawing/2014/main" id="{186A1F29-7F8D-4866-A17C-EE8E86FFF46D}"/>
               </a:ext>
             </a:extLst>
           </p:cNvPr>
@@ -4296,8 +4216,8 @@
         </p:nvSpPr>
         <p:spPr>
           <a:xfrm>
-            <a:off x="5396946" y="3105834"/>
-            <a:ext cx="2981739" cy="646331"/>
+            <a:off x="8044991" y="1726547"/>
+            <a:ext cx="3308809" cy="461665"/>
           </a:xfrm>
           <a:prstGeom prst="rect">
             <a:avLst/>
@@ -4311,50 +4231,18 @@
           <a:lstStyle/>
           <a:p>
             <a:r>
-              <a:rPr lang="ko-KR" altLang="en-US" dirty="0" err="1"/>
-              <a:t>실패시</a:t>
-            </a:r>
-            <a:r>
-              <a:rPr lang="ko-KR" altLang="en-US" dirty="0"/>
-              <a:t> </a:t>
-            </a:r>
-            <a:r>
-              <a:rPr lang="en-US" altLang="ko-KR" dirty="0"/>
-              <a:t>:</a:t>
-            </a:r>
-            <a:r>
-              <a:rPr lang="ko-KR" altLang="en-US" dirty="0"/>
-              <a:t> 트랜잭션 롤백</a:t>
-            </a:r>
-            <a:endParaRPr lang="en-US" altLang="ko-KR" dirty="0"/>
-          </a:p>
-          <a:p>
-            <a:r>
-              <a:rPr lang="ko-KR" altLang="en-US" dirty="0" err="1"/>
-              <a:t>성공시</a:t>
-            </a:r>
-            <a:r>
-              <a:rPr lang="en-US" altLang="ko-KR" dirty="0"/>
-              <a:t> : </a:t>
-            </a:r>
-            <a:r>
-              <a:rPr lang="ko-KR" altLang="en-US" dirty="0"/>
-              <a:t>트랜잭션 </a:t>
-            </a:r>
-            <a:r>
-              <a:rPr lang="ko-KR" altLang="en-US" dirty="0" err="1"/>
-              <a:t>커밋</a:t>
-            </a:r>
-            <a:endParaRPr lang="ko-KR" altLang="en-US" dirty="0"/>
-          </a:p>
-        </p:txBody>
-      </p:sp>
-      <p:sp>
-        <p:nvSpPr>
-          <p:cNvPr id="11" name="TextBox 10">
-            <a:extLst>
-              <a:ext uri="{FF2B5EF4-FFF2-40B4-BE49-F238E27FC236}">
-                <a16:creationId xmlns:a16="http://schemas.microsoft.com/office/drawing/2014/main" id="{11F3CF08-F1EF-4A5A-B430-506AFA4F38BA}"/>
+              <a:rPr lang="ko-KR" altLang="en-US" sz="2400" dirty="0"/>
+              <a:t>트랜잭션 시작을 알림</a:t>
+            </a:r>
+          </a:p>
+        </p:txBody>
+      </p:sp>
+      <p:sp>
+        <p:nvSpPr>
+          <p:cNvPr id="24" name="TextBox 23">
+            <a:extLst>
+              <a:ext uri="{FF2B5EF4-FFF2-40B4-BE49-F238E27FC236}">
+                <a16:creationId xmlns:a16="http://schemas.microsoft.com/office/drawing/2014/main" id="{7A943B2D-9CC3-4949-9388-39CF4761DBED}"/>
               </a:ext>
             </a:extLst>
           </p:cNvPr>
@@ -4363,8 +4251,8 @@
         </p:nvSpPr>
         <p:spPr>
           <a:xfrm>
-            <a:off x="5446643" y="5267739"/>
-            <a:ext cx="3309731" cy="646331"/>
+            <a:off x="4329722" y="3645748"/>
+            <a:ext cx="4185501" cy="369332"/>
           </a:xfrm>
           <a:prstGeom prst="rect">
             <a:avLst/>
@@ -4379,20 +4267,54 @@
           <a:p>
             <a:r>
               <a:rPr lang="ko-KR" altLang="en-US" dirty="0"/>
-              <a:t>함수 마무리시 할당된 버퍼를 풀어준다</a:t>
-            </a:r>
-            <a:r>
-              <a:rPr lang="en-US" altLang="ko-KR" dirty="0"/>
-              <a:t>.</a:t>
-            </a:r>
-            <a:endParaRPr lang="ko-KR" altLang="en-US" dirty="0"/>
+              <a:t>사용할 </a:t>
+            </a:r>
+            <a:r>
+              <a:rPr lang="ko-KR" altLang="en-US"/>
+              <a:t>버퍼를 메모리에 할당</a:t>
+            </a:r>
+          </a:p>
+        </p:txBody>
+      </p:sp>
+      <p:sp>
+        <p:nvSpPr>
+          <p:cNvPr id="25" name="TextBox 24">
+            <a:extLst>
+              <a:ext uri="{FF2B5EF4-FFF2-40B4-BE49-F238E27FC236}">
+                <a16:creationId xmlns:a16="http://schemas.microsoft.com/office/drawing/2014/main" id="{3A3B29E0-BD60-4A0C-9E91-1075632B4E64}"/>
+              </a:ext>
+            </a:extLst>
+          </p:cNvPr>
+          <p:cNvSpPr txBox="1"/>
+          <p:nvPr/>
+        </p:nvSpPr>
+        <p:spPr>
+          <a:xfrm>
+            <a:off x="8795208" y="5131454"/>
+            <a:ext cx="2558592" cy="646331"/>
+          </a:xfrm>
+          <a:prstGeom prst="rect">
+            <a:avLst/>
+          </a:prstGeom>
+          <a:noFill/>
+        </p:spPr>
+        <p:txBody>
+          <a:bodyPr wrap="square" rtlCol="0">
+            <a:spAutoFit/>
+          </a:bodyPr>
+          <a:lstStyle/>
+          <a:p>
+            <a:r>
+              <a:rPr lang="ko-KR" altLang="en-US" dirty="0"/>
+              <a:t>버퍼에 값을 할당하고 서버를 부른다</a:t>
+            </a:r>
           </a:p>
         </p:txBody>
       </p:sp>
     </p:spTree>
     <p:extLst>
       <p:ext uri="{BB962C8B-B14F-4D97-AF65-F5344CB8AC3E}">
-        <p14:creationId xmlns:p14="http://schemas.microsoft.com/office/powerpoint/2010/main" val="986295315"/>
+        <p14:creationId xmlns:p14="http://schemas.microsoft.com/office/powerpoint/2010/main" val="2579499566"/>
       </p:ext>
     </p:extLst>
   </p:cSld>
@@ -4424,7 +4346,7 @@
           <p:cNvPr id="2" name="제목 1">
             <a:extLst>
               <a:ext uri="{FF2B5EF4-FFF2-40B4-BE49-F238E27FC236}">
-                <a16:creationId xmlns:a16="http://schemas.microsoft.com/office/drawing/2014/main" id="{327D1CD5-76DC-418B-97DE-6E44C7D79F2A}"/>
+                <a16:creationId xmlns:a16="http://schemas.microsoft.com/office/drawing/2014/main" id="{97244B62-B3ED-4603-9AB9-C8F7DE2DC72D}"/>
               </a:ext>
             </a:extLst>
           </p:cNvPr>
@@ -4442,508 +4364,212 @@
           <a:p>
             <a:r>
               <a:rPr lang="ko-KR" altLang="en-US" dirty="0"/>
-              <a:t>데이터베이스 생성</a:t>
-            </a:r>
-          </a:p>
-        </p:txBody>
-      </p:sp>
-      <p:sp>
-        <p:nvSpPr>
-          <p:cNvPr id="3" name="내용 개체 틀 2">
-            <a:extLst>
-              <a:ext uri="{FF2B5EF4-FFF2-40B4-BE49-F238E27FC236}">
-                <a16:creationId xmlns:a16="http://schemas.microsoft.com/office/drawing/2014/main" id="{88CE31F8-BE8E-4923-AF4D-564950936754}"/>
-              </a:ext>
-            </a:extLst>
-          </p:cNvPr>
-          <p:cNvSpPr>
-            <a:spLocks noGrp="1"/>
-          </p:cNvSpPr>
-          <p:nvPr>
-            <p:ph idx="1"/>
-          </p:nvPr>
-        </p:nvSpPr>
-        <p:spPr/>
-        <p:txBody>
-          <a:bodyPr>
-            <a:normAutofit/>
+              <a:t>클라이언트 주요부분</a:t>
+            </a:r>
+          </a:p>
+        </p:txBody>
+      </p:sp>
+      <p:pic>
+        <p:nvPicPr>
+          <p:cNvPr id="4" name="그림 3" descr="텍스트이(가) 표시된 사진&#10;&#10;자동 생성된 설명">
+            <a:extLst>
+              <a:ext uri="{FF2B5EF4-FFF2-40B4-BE49-F238E27FC236}">
+                <a16:creationId xmlns:a16="http://schemas.microsoft.com/office/drawing/2014/main" id="{3E4FA6FF-D8E6-411C-ACF1-1434D668A9DB}"/>
+              </a:ext>
+            </a:extLst>
+          </p:cNvPr>
+          <p:cNvPicPr>
+            <a:picLocks noChangeAspect="1"/>
+          </p:cNvPicPr>
+          <p:nvPr/>
+        </p:nvPicPr>
+        <p:blipFill>
+          <a:blip r:embed="rId2"/>
+          <a:stretch>
+            <a:fillRect/>
+          </a:stretch>
+        </p:blipFill>
+        <p:spPr>
+          <a:xfrm>
+            <a:off x="1107626" y="5365869"/>
+            <a:ext cx="2640792" cy="982374"/>
+          </a:xfrm>
+          <a:prstGeom prst="rect">
+            <a:avLst/>
+          </a:prstGeom>
+        </p:spPr>
+      </p:pic>
+      <p:pic>
+        <p:nvPicPr>
+          <p:cNvPr id="6" name="그림 5" descr="텍스트이(가) 표시된 사진&#10;&#10;자동 생성된 설명">
+            <a:extLst>
+              <a:ext uri="{FF2B5EF4-FFF2-40B4-BE49-F238E27FC236}">
+                <a16:creationId xmlns:a16="http://schemas.microsoft.com/office/drawing/2014/main" id="{2B420CB1-3616-4462-9918-CE9E180D793C}"/>
+              </a:ext>
+            </a:extLst>
+          </p:cNvPr>
+          <p:cNvPicPr>
+            <a:picLocks noChangeAspect="1"/>
+          </p:cNvPicPr>
+          <p:nvPr/>
+        </p:nvPicPr>
+        <p:blipFill>
+          <a:blip r:embed="rId3"/>
+          <a:stretch>
+            <a:fillRect/>
+          </a:stretch>
+        </p:blipFill>
+        <p:spPr>
+          <a:xfrm>
+            <a:off x="962520" y="3683569"/>
+            <a:ext cx="3307367" cy="1303133"/>
+          </a:xfrm>
+          <a:prstGeom prst="rect">
+            <a:avLst/>
+          </a:prstGeom>
+        </p:spPr>
+      </p:pic>
+      <p:pic>
+        <p:nvPicPr>
+          <p:cNvPr id="9" name="그림 8" descr="텍스트이(가) 표시된 사진&#10;&#10;자동 생성된 설명">
+            <a:extLst>
+              <a:ext uri="{FF2B5EF4-FFF2-40B4-BE49-F238E27FC236}">
+                <a16:creationId xmlns:a16="http://schemas.microsoft.com/office/drawing/2014/main" id="{5198866D-0DDF-4D4F-B257-285B5ABAE0D5}"/>
+              </a:ext>
+            </a:extLst>
+          </p:cNvPr>
+          <p:cNvPicPr>
+            <a:picLocks noChangeAspect="1"/>
+          </p:cNvPicPr>
+          <p:nvPr/>
+        </p:nvPicPr>
+        <p:blipFill>
+          <a:blip r:embed="rId4"/>
+          <a:stretch>
+            <a:fillRect/>
+          </a:stretch>
+        </p:blipFill>
+        <p:spPr>
+          <a:xfrm>
+            <a:off x="962520" y="2069855"/>
+            <a:ext cx="3650296" cy="1234547"/>
+          </a:xfrm>
+          <a:prstGeom prst="rect">
+            <a:avLst/>
+          </a:prstGeom>
+        </p:spPr>
+      </p:pic>
+      <p:sp>
+        <p:nvSpPr>
+          <p:cNvPr id="10" name="TextBox 9">
+            <a:extLst>
+              <a:ext uri="{FF2B5EF4-FFF2-40B4-BE49-F238E27FC236}">
+                <a16:creationId xmlns:a16="http://schemas.microsoft.com/office/drawing/2014/main" id="{8D28811B-201F-4B06-ADFB-5674C7E9C354}"/>
+              </a:ext>
+            </a:extLst>
+          </p:cNvPr>
+          <p:cNvSpPr txBox="1"/>
+          <p:nvPr/>
+        </p:nvSpPr>
+        <p:spPr>
+          <a:xfrm>
+            <a:off x="5396946" y="3105834"/>
+            <a:ext cx="2981739" cy="646331"/>
+          </a:xfrm>
+          <a:prstGeom prst="rect">
+            <a:avLst/>
+          </a:prstGeom>
+          <a:noFill/>
+        </p:spPr>
+        <p:txBody>
+          <a:bodyPr wrap="square" rtlCol="0">
+            <a:spAutoFit/>
           </a:bodyPr>
           <a:lstStyle/>
           <a:p>
-            <a:pPr algn="l"/>
-            <a:r>
-              <a:rPr lang="en-US" altLang="ko-KR" sz="1800" dirty="0" err="1">
-                <a:solidFill>
-                  <a:srgbClr val="666666"/>
-                </a:solidFill>
-                <a:latin typeface="Bitstream Vera Sans Mono"/>
-              </a:rPr>
-              <a:t>tbsql</a:t>
-            </a:r>
-            <a:r>
-              <a:rPr lang="en-US" altLang="ko-KR" sz="1800" dirty="0">
-                <a:solidFill>
-                  <a:srgbClr val="666666"/>
-                </a:solidFill>
-                <a:latin typeface="Bitstream Vera Sans Mono"/>
-              </a:rPr>
+            <a:r>
+              <a:rPr lang="ko-KR" altLang="en-US" dirty="0" err="1"/>
+              <a:t>실패시</a:t>
+            </a:r>
+            <a:r>
+              <a:rPr lang="ko-KR" altLang="en-US" dirty="0"/>
               <a:t> </a:t>
             </a:r>
             <a:r>
-              <a:rPr lang="ko-KR" altLang="en-US" sz="1800" dirty="0">
-                <a:solidFill>
-                  <a:srgbClr val="666666"/>
-                </a:solidFill>
-                <a:latin typeface="Bitstream Vera Sans Mono"/>
-              </a:rPr>
-              <a:t>접속</a:t>
-            </a:r>
-            <a:r>
-              <a:rPr lang="en-US" altLang="ko-KR" sz="1800" dirty="0">
-                <a:solidFill>
-                  <a:srgbClr val="666666"/>
-                </a:solidFill>
-                <a:latin typeface="Bitstream Vera Sans Mono"/>
-              </a:rPr>
-              <a:t>(</a:t>
-            </a:r>
-            <a:r>
-              <a:rPr lang="en-US" altLang="ko-KR" sz="1800" dirty="0" err="1">
-                <a:solidFill>
-                  <a:srgbClr val="666666"/>
-                </a:solidFill>
-                <a:latin typeface="Bitstream Vera Sans Mono"/>
-              </a:rPr>
-              <a:t>tibero</a:t>
-            </a:r>
-            <a:r>
-              <a:rPr lang="en-US" altLang="ko-KR" sz="1800" dirty="0">
-                <a:solidFill>
-                  <a:srgbClr val="666666"/>
-                </a:solidFill>
-                <a:latin typeface="Bitstream Vera Sans Mono"/>
-              </a:rPr>
-              <a:t>/</a:t>
-            </a:r>
-            <a:r>
-              <a:rPr lang="en-US" altLang="ko-KR" sz="1800" dirty="0" err="1">
-                <a:solidFill>
-                  <a:srgbClr val="666666"/>
-                </a:solidFill>
-                <a:latin typeface="Bitstream Vera Sans Mono"/>
-              </a:rPr>
-              <a:t>tmax</a:t>
-            </a:r>
-            <a:r>
-              <a:rPr lang="en-US" altLang="ko-KR" sz="1800" dirty="0">
-                <a:solidFill>
-                  <a:srgbClr val="666666"/>
-                </a:solidFill>
-                <a:latin typeface="Bitstream Vera Sans Mono"/>
-              </a:rPr>
-              <a:t>)</a:t>
-            </a:r>
-          </a:p>
-          <a:p>
-            <a:pPr algn="l"/>
-            <a:r>
-              <a:rPr lang="ko-KR" altLang="en-US" sz="1800" dirty="0">
-                <a:solidFill>
-                  <a:srgbClr val="666666"/>
-                </a:solidFill>
-                <a:latin typeface="Bitstream Vera Sans Mono"/>
-              </a:rPr>
-              <a:t>테이블 스페이스 생성</a:t>
-            </a:r>
-            <a:endParaRPr lang="en-US" altLang="ko-KR" sz="1800" b="0" i="0" dirty="0">
-              <a:solidFill>
-                <a:srgbClr val="666666"/>
-              </a:solidFill>
-              <a:effectLst/>
-              <a:latin typeface="Bitstream Vera Sans Mono"/>
-            </a:endParaRPr>
-          </a:p>
-          <a:p>
-            <a:pPr marL="457200" lvl="1" indent="0">
-              <a:buNone/>
-            </a:pPr>
-            <a:r>
-              <a:rPr lang="en-US" altLang="ko-KR" sz="1400" b="0" i="0" dirty="0">
-                <a:solidFill>
-                  <a:srgbClr val="666666"/>
-                </a:solidFill>
-                <a:effectLst/>
-                <a:latin typeface="Bitstream Vera Sans Mono"/>
-              </a:rPr>
-              <a:t>CREATE TABLESPACE </a:t>
-            </a:r>
-            <a:r>
-              <a:rPr lang="en-US" altLang="ko-KR" sz="1400" b="1" i="0" dirty="0">
-                <a:solidFill>
-                  <a:srgbClr val="FF0000"/>
-                </a:solidFill>
-                <a:effectLst/>
-                <a:latin typeface="Bitstream Vera Sans Mono"/>
-              </a:rPr>
-              <a:t>user01</a:t>
-            </a:r>
-            <a:r>
-              <a:rPr lang="en-US" altLang="ko-KR" sz="1400" b="0" i="0" dirty="0">
-                <a:solidFill>
-                  <a:srgbClr val="666666"/>
-                </a:solidFill>
-                <a:effectLst/>
-                <a:latin typeface="Bitstream Vera Sans Mono"/>
-              </a:rPr>
-              <a:t> </a:t>
-            </a:r>
-            <a:endParaRPr lang="en-US" altLang="ko-KR" b="0" i="0" dirty="0">
-              <a:solidFill>
-                <a:srgbClr val="666666"/>
-              </a:solidFill>
-              <a:effectLst/>
-              <a:latin typeface="Spoqa Han Sans"/>
-            </a:endParaRPr>
-          </a:p>
-          <a:p>
-            <a:pPr marL="457200" lvl="1" indent="0">
-              <a:buNone/>
-            </a:pPr>
-            <a:r>
-              <a:rPr lang="en-US" altLang="ko-KR" sz="1400" b="0" i="0" dirty="0">
-                <a:solidFill>
-                  <a:srgbClr val="666666"/>
-                </a:solidFill>
-                <a:effectLst/>
-                <a:latin typeface="Bitstream Vera Sans Mono"/>
-              </a:rPr>
-              <a:t>DATAFILE  ＇</a:t>
-            </a:r>
-            <a:r>
-              <a:rPr lang="en-US" altLang="ko-KR" sz="1400" b="1" i="0" dirty="0">
-                <a:solidFill>
-                  <a:srgbClr val="FF0000"/>
-                </a:solidFill>
-                <a:effectLst/>
-                <a:latin typeface="Bitstream Vera Sans Mono"/>
-              </a:rPr>
-              <a:t>user01.</a:t>
-            </a:r>
-            <a:r>
-              <a:rPr lang="ko-KR" altLang="en-US" sz="1400" b="1" i="0" dirty="0">
-                <a:solidFill>
-                  <a:srgbClr val="FF0000"/>
-                </a:solidFill>
-                <a:effectLst/>
-                <a:latin typeface="Bitstream Vera Sans Mono"/>
-              </a:rPr>
-              <a:t>율</a:t>
-            </a:r>
-            <a:r>
-              <a:rPr lang="en-US" altLang="ko-KR" sz="1400" b="0" i="0" dirty="0">
-                <a:solidFill>
-                  <a:srgbClr val="666666"/>
-                </a:solidFill>
-                <a:effectLst/>
-                <a:latin typeface="Bitstream Vera Sans Mono"/>
-              </a:rPr>
-              <a:t>＇ SIZE </a:t>
-            </a:r>
-            <a:r>
-              <a:rPr lang="en-US" altLang="ko-KR" sz="1400" b="1" i="0" dirty="0">
-                <a:solidFill>
-                  <a:srgbClr val="FF0000"/>
-                </a:solidFill>
-                <a:effectLst/>
-                <a:latin typeface="Bitstream Vera Sans Mono"/>
-              </a:rPr>
-              <a:t>512M</a:t>
-            </a:r>
-            <a:r>
-              <a:rPr lang="en-US" altLang="ko-KR" sz="1400" b="0" i="0" dirty="0">
-                <a:solidFill>
-                  <a:srgbClr val="666666"/>
-                </a:solidFill>
-                <a:effectLst/>
-                <a:latin typeface="Bitstream Vera Sans Mono"/>
-              </a:rPr>
-              <a:t> </a:t>
-            </a:r>
-            <a:endParaRPr lang="en-US" altLang="ko-KR" b="0" i="0" dirty="0">
-              <a:solidFill>
-                <a:srgbClr val="666666"/>
-              </a:solidFill>
-              <a:effectLst/>
-              <a:latin typeface="Spoqa Han Sans"/>
-            </a:endParaRPr>
-          </a:p>
-          <a:p>
-            <a:pPr marL="457200" lvl="1" indent="0">
-              <a:buNone/>
-            </a:pPr>
-            <a:r>
-              <a:rPr lang="en-US" altLang="ko-KR" sz="1400" b="0" i="0" dirty="0">
-                <a:solidFill>
-                  <a:srgbClr val="666666"/>
-                </a:solidFill>
-                <a:effectLst/>
-                <a:latin typeface="Bitstream Vera Sans Mono"/>
-              </a:rPr>
-              <a:t>AUTOEXTEND ON NEXT </a:t>
-            </a:r>
-            <a:r>
-              <a:rPr lang="en-US" altLang="ko-KR" sz="1400" b="1" i="0" dirty="0">
-                <a:solidFill>
-                  <a:srgbClr val="FF0000"/>
-                </a:solidFill>
-                <a:effectLst/>
-                <a:latin typeface="Bitstream Vera Sans Mono"/>
-              </a:rPr>
-              <a:t>10M</a:t>
-            </a:r>
-            <a:r>
-              <a:rPr lang="en-US" altLang="ko-KR" sz="1400" b="0" i="0" dirty="0">
-                <a:solidFill>
-                  <a:srgbClr val="666666"/>
-                </a:solidFill>
-                <a:effectLst/>
-                <a:latin typeface="Bitstream Vera Sans Mono"/>
-              </a:rPr>
-              <a:t> MAXSIZE </a:t>
-            </a:r>
-            <a:r>
-              <a:rPr lang="en-US" altLang="ko-KR" sz="1400" b="1" i="0" dirty="0">
-                <a:solidFill>
-                  <a:srgbClr val="FF0000"/>
-                </a:solidFill>
-                <a:effectLst/>
-                <a:latin typeface="Bitstream Vera Sans Mono"/>
-              </a:rPr>
-              <a:t>1G</a:t>
-            </a:r>
-            <a:r>
-              <a:rPr lang="en-US" altLang="ko-KR" sz="1400" b="0" i="0" dirty="0">
-                <a:solidFill>
-                  <a:srgbClr val="666666"/>
-                </a:solidFill>
-                <a:effectLst/>
-                <a:latin typeface="Bitstream Vera Sans Mono"/>
-              </a:rPr>
-              <a:t> </a:t>
-            </a:r>
-            <a:endParaRPr lang="en-US" altLang="ko-KR" b="0" i="0" dirty="0">
-              <a:solidFill>
-                <a:srgbClr val="666666"/>
-              </a:solidFill>
-              <a:effectLst/>
-              <a:latin typeface="Spoqa Han Sans"/>
-            </a:endParaRPr>
-          </a:p>
-          <a:p>
-            <a:pPr marL="457200" lvl="1" indent="0">
-              <a:buNone/>
-            </a:pPr>
-            <a:r>
-              <a:rPr lang="en-US" altLang="ko-KR" sz="1400" b="0" i="0" dirty="0">
-                <a:solidFill>
-                  <a:srgbClr val="666666"/>
-                </a:solidFill>
-                <a:effectLst/>
-                <a:latin typeface="Bitstream Vera Sans Mono"/>
-              </a:rPr>
-              <a:t>EXTENT MANAGEMENT LOCAL AUTOALLOCATE</a:t>
-            </a:r>
-          </a:p>
-          <a:p>
-            <a:pPr algn="l"/>
-            <a:endParaRPr lang="en-US" altLang="ko-KR" sz="1800" dirty="0">
-              <a:solidFill>
-                <a:srgbClr val="666666"/>
-              </a:solidFill>
-              <a:latin typeface="Bitstream Vera Sans Mono"/>
-            </a:endParaRPr>
-          </a:p>
-          <a:p>
-            <a:pPr algn="l"/>
-            <a:r>
-              <a:rPr lang="ko-KR" altLang="en-US" sz="1800" dirty="0">
-                <a:solidFill>
-                  <a:srgbClr val="666666"/>
-                </a:solidFill>
-                <a:latin typeface="Bitstream Vera Sans Mono"/>
-              </a:rPr>
-              <a:t>유저생성</a:t>
-            </a:r>
-            <a:endParaRPr lang="en-US" altLang="ko-KR" sz="1800" dirty="0">
-              <a:solidFill>
-                <a:srgbClr val="666666"/>
-              </a:solidFill>
-              <a:latin typeface="Bitstream Vera Sans Mono"/>
-            </a:endParaRPr>
-          </a:p>
-          <a:p>
-            <a:pPr marL="457200" lvl="1" indent="0">
-              <a:buNone/>
-            </a:pPr>
-            <a:r>
-              <a:rPr lang="en-US" altLang="ko-KR" sz="1400" b="0" i="0" dirty="0">
-                <a:solidFill>
-                  <a:srgbClr val="666666"/>
-                </a:solidFill>
-                <a:effectLst/>
-                <a:latin typeface="Bitstream Vera Sans Mono"/>
-              </a:rPr>
-              <a:t>CREATE USER </a:t>
-            </a:r>
-            <a:r>
-              <a:rPr lang="en-US" altLang="ko-KR" sz="1400" b="1" i="0" dirty="0" err="1">
-                <a:solidFill>
-                  <a:srgbClr val="FF0000"/>
-                </a:solidFill>
-                <a:effectLst/>
-                <a:latin typeface="Bitstream Vera Sans Mono"/>
-              </a:rPr>
-              <a:t>user</a:t>
-            </a:r>
-            <a:r>
-              <a:rPr lang="en-US" altLang="ko-KR" sz="1400" b="1" dirty="0" err="1">
-                <a:solidFill>
-                  <a:srgbClr val="FF0000"/>
-                </a:solidFill>
-                <a:latin typeface="Bitstream Vera Sans Mono"/>
-              </a:rPr>
-              <a:t>ID</a:t>
-            </a:r>
-            <a:r>
-              <a:rPr lang="en-US" altLang="ko-KR" sz="1400" b="0" i="0" dirty="0">
-                <a:solidFill>
-                  <a:srgbClr val="666666"/>
-                </a:solidFill>
-                <a:effectLst/>
-                <a:latin typeface="Bitstream Vera Sans Mono"/>
-              </a:rPr>
-              <a:t> IDENTIFIED BY </a:t>
-            </a:r>
-            <a:r>
-              <a:rPr lang="en-US" altLang="ko-KR" sz="1400" b="1" i="0" dirty="0" err="1">
-                <a:solidFill>
-                  <a:srgbClr val="FF0000"/>
-                </a:solidFill>
-                <a:effectLst/>
-                <a:latin typeface="Bitstream Vera Sans Mono"/>
-              </a:rPr>
-              <a:t>userPWD</a:t>
-            </a:r>
-            <a:r>
-              <a:rPr lang="en-US" altLang="ko-KR" sz="1400" b="0" i="0" dirty="0">
-                <a:solidFill>
-                  <a:srgbClr val="666666"/>
-                </a:solidFill>
-                <a:effectLst/>
-                <a:latin typeface="Bitstream Vera Sans Mono"/>
-              </a:rPr>
-              <a:t> </a:t>
-            </a:r>
-            <a:endParaRPr lang="en-US" altLang="ko-KR" b="0" i="0" dirty="0">
-              <a:solidFill>
-                <a:srgbClr val="666666"/>
-              </a:solidFill>
-              <a:effectLst/>
-              <a:latin typeface="Spoqa Han Sans"/>
-            </a:endParaRPr>
-          </a:p>
-          <a:p>
-            <a:pPr marL="457200" lvl="1" indent="0">
-              <a:buNone/>
-            </a:pPr>
-            <a:r>
-              <a:rPr lang="en-US" altLang="ko-KR" sz="1400" b="0" i="0" dirty="0">
-                <a:solidFill>
-                  <a:srgbClr val="666666"/>
-                </a:solidFill>
-                <a:effectLst/>
-                <a:latin typeface="Bitstream Vera Sans Mono"/>
-              </a:rPr>
-              <a:t>DEFAULT TABLESPACE </a:t>
-            </a:r>
-            <a:r>
-              <a:rPr lang="en-US" altLang="ko-KR" sz="1400" b="1" i="0" dirty="0">
-                <a:solidFill>
-                  <a:srgbClr val="FF0000"/>
-                </a:solidFill>
-                <a:effectLst/>
-                <a:latin typeface="Bitstream Vera Sans Mono"/>
-              </a:rPr>
-              <a:t>user01</a:t>
-            </a:r>
-          </a:p>
-          <a:p>
-            <a:pPr algn="l"/>
-            <a:endParaRPr lang="en-US" altLang="ko-KR" sz="1800" b="1" dirty="0">
-              <a:solidFill>
-                <a:srgbClr val="FF0000"/>
-              </a:solidFill>
-              <a:latin typeface="Bitstream Vera Sans Mono"/>
-            </a:endParaRPr>
-          </a:p>
-          <a:p>
-            <a:pPr algn="l"/>
-            <a:r>
-              <a:rPr lang="ko-KR" altLang="en-US" sz="1600" b="0" i="0" dirty="0">
-                <a:solidFill>
-                  <a:srgbClr val="666666"/>
-                </a:solidFill>
-                <a:effectLst/>
-                <a:latin typeface="Spoqa Han Sans"/>
-              </a:rPr>
-              <a:t>유저권한 부여</a:t>
-            </a:r>
-            <a:endParaRPr lang="en-US" altLang="ko-KR" sz="1600" b="0" i="0" dirty="0">
-              <a:solidFill>
-                <a:srgbClr val="666666"/>
-              </a:solidFill>
-              <a:effectLst/>
-              <a:latin typeface="Spoqa Han Sans"/>
-            </a:endParaRPr>
-          </a:p>
-          <a:p>
-            <a:pPr marL="457200" lvl="1" indent="0">
-              <a:buNone/>
-            </a:pPr>
-            <a:r>
-              <a:rPr lang="en-US" altLang="ko-KR" sz="1400" b="0" i="0" dirty="0">
-                <a:solidFill>
-                  <a:srgbClr val="666666"/>
-                </a:solidFill>
-                <a:effectLst/>
-                <a:latin typeface="Spoqa Han Sans"/>
-              </a:rPr>
-              <a:t>GRANT RESOURCE, CONNECT, DBA TO </a:t>
-            </a:r>
-            <a:r>
-              <a:rPr lang="en-US" altLang="ko-KR" sz="1400" b="1" i="0" dirty="0" err="1">
-                <a:solidFill>
-                  <a:srgbClr val="FF0000"/>
-                </a:solidFill>
-                <a:effectLst/>
-                <a:latin typeface="Spoqa Han Sans"/>
-              </a:rPr>
-              <a:t>userID</a:t>
-            </a:r>
-            <a:endParaRPr lang="en-US" altLang="ko-KR" sz="1400" b="0" i="0" dirty="0">
-              <a:solidFill>
-                <a:srgbClr val="666666"/>
-              </a:solidFill>
-              <a:effectLst/>
-              <a:latin typeface="Spoqa Han Sans"/>
-            </a:endParaRPr>
+              <a:rPr lang="en-US" altLang="ko-KR" dirty="0"/>
+              <a:t>:</a:t>
+            </a:r>
+            <a:r>
+              <a:rPr lang="ko-KR" altLang="en-US" dirty="0"/>
+              <a:t> 트랜잭션 롤백</a:t>
+            </a:r>
+            <a:endParaRPr lang="en-US" altLang="ko-KR" dirty="0"/>
+          </a:p>
+          <a:p>
+            <a:r>
+              <a:rPr lang="ko-KR" altLang="en-US" dirty="0" err="1"/>
+              <a:t>성공시</a:t>
+            </a:r>
+            <a:r>
+              <a:rPr lang="en-US" altLang="ko-KR" dirty="0"/>
+              <a:t> : </a:t>
+            </a:r>
+            <a:r>
+              <a:rPr lang="ko-KR" altLang="en-US" dirty="0"/>
+              <a:t>트랜잭션 </a:t>
+            </a:r>
+            <a:r>
+              <a:rPr lang="ko-KR" altLang="en-US" dirty="0" err="1"/>
+              <a:t>커밋</a:t>
+            </a:r>
+            <a:endParaRPr lang="ko-KR" altLang="en-US" dirty="0"/>
+          </a:p>
+        </p:txBody>
+      </p:sp>
+      <p:sp>
+        <p:nvSpPr>
+          <p:cNvPr id="11" name="TextBox 10">
+            <a:extLst>
+              <a:ext uri="{FF2B5EF4-FFF2-40B4-BE49-F238E27FC236}">
+                <a16:creationId xmlns:a16="http://schemas.microsoft.com/office/drawing/2014/main" id="{11F3CF08-F1EF-4A5A-B430-506AFA4F38BA}"/>
+              </a:ext>
+            </a:extLst>
+          </p:cNvPr>
+          <p:cNvSpPr txBox="1"/>
+          <p:nvPr/>
+        </p:nvSpPr>
+        <p:spPr>
+          <a:xfrm>
+            <a:off x="5446643" y="5267739"/>
+            <a:ext cx="3309731" cy="646331"/>
+          </a:xfrm>
+          <a:prstGeom prst="rect">
+            <a:avLst/>
+          </a:prstGeom>
+          <a:noFill/>
+        </p:spPr>
+        <p:txBody>
+          <a:bodyPr wrap="square" rtlCol="0">
+            <a:spAutoFit/>
+          </a:bodyPr>
+          <a:lstStyle/>
+          <a:p>
+            <a:r>
+              <a:rPr lang="ko-KR" altLang="en-US" dirty="0"/>
+              <a:t>함수 마무리시 할당된 버퍼를 풀어준다</a:t>
+            </a:r>
+            <a:r>
+              <a:rPr lang="en-US" altLang="ko-KR" dirty="0"/>
+              <a:t>.</a:t>
+            </a:r>
+            <a:endParaRPr lang="ko-KR" altLang="en-US" dirty="0"/>
           </a:p>
         </p:txBody>
       </p:sp>
     </p:spTree>
     <p:extLst>
       <p:ext uri="{BB962C8B-B14F-4D97-AF65-F5344CB8AC3E}">
-        <p14:creationId xmlns:p14="http://schemas.microsoft.com/office/powerpoint/2010/main" val="3781847488"/>
+        <p14:creationId xmlns:p14="http://schemas.microsoft.com/office/powerpoint/2010/main" val="986295315"/>
       </p:ext>
     </p:extLst>
   </p:cSld>
@@ -5770,6 +5396,13 @@
           <a:lstStyle/>
           <a:p>
             <a:r>
+              <a:rPr lang="ko-KR" altLang="en-US" dirty="0"/>
+              <a:t>데이터베이스 생성</a:t>
+            </a:r>
+            <a:endParaRPr lang="en-US" altLang="ko-KR" dirty="0"/>
+          </a:p>
+          <a:p>
+            <a:r>
               <a:rPr lang="en-US" altLang="ko-KR" dirty="0" err="1"/>
               <a:t>Tmax</a:t>
             </a:r>
@@ -5862,6 +5495,557 @@
           <p:cNvPr id="2" name="제목 1">
             <a:extLst>
               <a:ext uri="{FF2B5EF4-FFF2-40B4-BE49-F238E27FC236}">
+                <a16:creationId xmlns:a16="http://schemas.microsoft.com/office/drawing/2014/main" id="{327D1CD5-76DC-418B-97DE-6E44C7D79F2A}"/>
+              </a:ext>
+            </a:extLst>
+          </p:cNvPr>
+          <p:cNvSpPr>
+            <a:spLocks noGrp="1"/>
+          </p:cNvSpPr>
+          <p:nvPr>
+            <p:ph type="title"/>
+          </p:nvPr>
+        </p:nvSpPr>
+        <p:spPr/>
+        <p:txBody>
+          <a:bodyPr/>
+          <a:lstStyle/>
+          <a:p>
+            <a:r>
+              <a:rPr lang="ko-KR" altLang="en-US" dirty="0"/>
+              <a:t>데이터베이스 생성</a:t>
+            </a:r>
+          </a:p>
+        </p:txBody>
+      </p:sp>
+      <p:sp>
+        <p:nvSpPr>
+          <p:cNvPr id="3" name="내용 개체 틀 2">
+            <a:extLst>
+              <a:ext uri="{FF2B5EF4-FFF2-40B4-BE49-F238E27FC236}">
+                <a16:creationId xmlns:a16="http://schemas.microsoft.com/office/drawing/2014/main" id="{88CE31F8-BE8E-4923-AF4D-564950936754}"/>
+              </a:ext>
+            </a:extLst>
+          </p:cNvPr>
+          <p:cNvSpPr>
+            <a:spLocks noGrp="1"/>
+          </p:cNvSpPr>
+          <p:nvPr>
+            <p:ph idx="1"/>
+          </p:nvPr>
+        </p:nvSpPr>
+        <p:spPr/>
+        <p:txBody>
+          <a:bodyPr>
+            <a:normAutofit/>
+          </a:bodyPr>
+          <a:lstStyle/>
+          <a:p>
+            <a:pPr algn="l"/>
+            <a:r>
+              <a:rPr lang="en-US" altLang="ko-KR" sz="1800" dirty="0" err="1">
+                <a:solidFill>
+                  <a:srgbClr val="666666"/>
+                </a:solidFill>
+                <a:latin typeface="Bitstream Vera Sans Mono"/>
+              </a:rPr>
+              <a:t>tbsql</a:t>
+            </a:r>
+            <a:r>
+              <a:rPr lang="en-US" altLang="ko-KR" sz="1800" dirty="0">
+                <a:solidFill>
+                  <a:srgbClr val="666666"/>
+                </a:solidFill>
+                <a:latin typeface="Bitstream Vera Sans Mono"/>
+              </a:rPr>
+              <a:t> </a:t>
+            </a:r>
+            <a:r>
+              <a:rPr lang="ko-KR" altLang="en-US" sz="1800" dirty="0">
+                <a:solidFill>
+                  <a:srgbClr val="666666"/>
+                </a:solidFill>
+                <a:latin typeface="Bitstream Vera Sans Mono"/>
+              </a:rPr>
+              <a:t>접속</a:t>
+            </a:r>
+            <a:r>
+              <a:rPr lang="en-US" altLang="ko-KR" sz="1800" dirty="0">
+                <a:solidFill>
+                  <a:srgbClr val="666666"/>
+                </a:solidFill>
+                <a:latin typeface="Bitstream Vera Sans Mono"/>
+              </a:rPr>
+              <a:t>(</a:t>
+            </a:r>
+            <a:r>
+              <a:rPr lang="en-US" altLang="ko-KR" sz="1800" dirty="0" err="1">
+                <a:solidFill>
+                  <a:srgbClr val="666666"/>
+                </a:solidFill>
+                <a:latin typeface="Bitstream Vera Sans Mono"/>
+              </a:rPr>
+              <a:t>tibero</a:t>
+            </a:r>
+            <a:r>
+              <a:rPr lang="en-US" altLang="ko-KR" sz="1800" dirty="0">
+                <a:solidFill>
+                  <a:srgbClr val="666666"/>
+                </a:solidFill>
+                <a:latin typeface="Bitstream Vera Sans Mono"/>
+              </a:rPr>
+              <a:t>/</a:t>
+            </a:r>
+            <a:r>
+              <a:rPr lang="en-US" altLang="ko-KR" sz="1800" dirty="0" err="1">
+                <a:solidFill>
+                  <a:srgbClr val="666666"/>
+                </a:solidFill>
+                <a:latin typeface="Bitstream Vera Sans Mono"/>
+              </a:rPr>
+              <a:t>tmax</a:t>
+            </a:r>
+            <a:r>
+              <a:rPr lang="en-US" altLang="ko-KR" sz="1800" dirty="0">
+                <a:solidFill>
+                  <a:srgbClr val="666666"/>
+                </a:solidFill>
+                <a:latin typeface="Bitstream Vera Sans Mono"/>
+              </a:rPr>
+              <a:t>)</a:t>
+            </a:r>
+          </a:p>
+          <a:p>
+            <a:pPr algn="l"/>
+            <a:r>
+              <a:rPr lang="ko-KR" altLang="en-US" sz="1800" dirty="0">
+                <a:solidFill>
+                  <a:srgbClr val="666666"/>
+                </a:solidFill>
+                <a:latin typeface="Bitstream Vera Sans Mono"/>
+              </a:rPr>
+              <a:t>테이블 스페이스 생성</a:t>
+            </a:r>
+            <a:endParaRPr lang="en-US" altLang="ko-KR" sz="1800" b="0" i="0" dirty="0">
+              <a:solidFill>
+                <a:srgbClr val="666666"/>
+              </a:solidFill>
+              <a:effectLst/>
+              <a:latin typeface="Bitstream Vera Sans Mono"/>
+            </a:endParaRPr>
+          </a:p>
+          <a:p>
+            <a:pPr marL="457200" lvl="1" indent="0">
+              <a:buNone/>
+            </a:pPr>
+            <a:r>
+              <a:rPr lang="en-US" altLang="ko-KR" sz="1400" b="0" i="0" dirty="0">
+                <a:solidFill>
+                  <a:srgbClr val="666666"/>
+                </a:solidFill>
+                <a:effectLst/>
+                <a:latin typeface="Bitstream Vera Sans Mono"/>
+              </a:rPr>
+              <a:t>CREATE TABLESPACE </a:t>
+            </a:r>
+            <a:r>
+              <a:rPr lang="en-US" altLang="ko-KR" sz="1400" b="1" i="0" dirty="0">
+                <a:solidFill>
+                  <a:srgbClr val="FF0000"/>
+                </a:solidFill>
+                <a:effectLst/>
+                <a:latin typeface="Bitstream Vera Sans Mono"/>
+              </a:rPr>
+              <a:t>user01</a:t>
+            </a:r>
+            <a:r>
+              <a:rPr lang="en-US" altLang="ko-KR" sz="1400" b="0" i="0" dirty="0">
+                <a:solidFill>
+                  <a:srgbClr val="666666"/>
+                </a:solidFill>
+                <a:effectLst/>
+                <a:latin typeface="Bitstream Vera Sans Mono"/>
+              </a:rPr>
+              <a:t> </a:t>
+            </a:r>
+            <a:endParaRPr lang="en-US" altLang="ko-KR" b="0" i="0" dirty="0">
+              <a:solidFill>
+                <a:srgbClr val="666666"/>
+              </a:solidFill>
+              <a:effectLst/>
+              <a:latin typeface="Spoqa Han Sans"/>
+            </a:endParaRPr>
+          </a:p>
+          <a:p>
+            <a:pPr marL="457200" lvl="1" indent="0">
+              <a:buNone/>
+            </a:pPr>
+            <a:r>
+              <a:rPr lang="en-US" altLang="ko-KR" sz="1400" b="0" i="0" dirty="0">
+                <a:solidFill>
+                  <a:srgbClr val="666666"/>
+                </a:solidFill>
+                <a:effectLst/>
+                <a:latin typeface="Bitstream Vera Sans Mono"/>
+              </a:rPr>
+              <a:t>DATAFILE  ＇</a:t>
+            </a:r>
+            <a:r>
+              <a:rPr lang="en-US" altLang="ko-KR" sz="1400" b="1" i="0" dirty="0">
+                <a:solidFill>
+                  <a:srgbClr val="FF0000"/>
+                </a:solidFill>
+                <a:effectLst/>
+                <a:latin typeface="Bitstream Vera Sans Mono"/>
+              </a:rPr>
+              <a:t>user01.</a:t>
+            </a:r>
+            <a:r>
+              <a:rPr lang="ko-KR" altLang="en-US" sz="1400" b="1" i="0" dirty="0">
+                <a:solidFill>
+                  <a:srgbClr val="FF0000"/>
+                </a:solidFill>
+                <a:effectLst/>
+                <a:latin typeface="Bitstream Vera Sans Mono"/>
+              </a:rPr>
+              <a:t>율</a:t>
+            </a:r>
+            <a:r>
+              <a:rPr lang="en-US" altLang="ko-KR" sz="1400" b="0" i="0" dirty="0">
+                <a:solidFill>
+                  <a:srgbClr val="666666"/>
+                </a:solidFill>
+                <a:effectLst/>
+                <a:latin typeface="Bitstream Vera Sans Mono"/>
+              </a:rPr>
+              <a:t>＇ SIZE </a:t>
+            </a:r>
+            <a:r>
+              <a:rPr lang="en-US" altLang="ko-KR" sz="1400" b="1" i="0" dirty="0">
+                <a:solidFill>
+                  <a:srgbClr val="FF0000"/>
+                </a:solidFill>
+                <a:effectLst/>
+                <a:latin typeface="Bitstream Vera Sans Mono"/>
+              </a:rPr>
+              <a:t>512M</a:t>
+            </a:r>
+            <a:r>
+              <a:rPr lang="en-US" altLang="ko-KR" sz="1400" b="0" i="0" dirty="0">
+                <a:solidFill>
+                  <a:srgbClr val="666666"/>
+                </a:solidFill>
+                <a:effectLst/>
+                <a:latin typeface="Bitstream Vera Sans Mono"/>
+              </a:rPr>
+              <a:t> </a:t>
+            </a:r>
+            <a:endParaRPr lang="en-US" altLang="ko-KR" b="0" i="0" dirty="0">
+              <a:solidFill>
+                <a:srgbClr val="666666"/>
+              </a:solidFill>
+              <a:effectLst/>
+              <a:latin typeface="Spoqa Han Sans"/>
+            </a:endParaRPr>
+          </a:p>
+          <a:p>
+            <a:pPr marL="457200" lvl="1" indent="0">
+              <a:buNone/>
+            </a:pPr>
+            <a:r>
+              <a:rPr lang="en-US" altLang="ko-KR" sz="1400" b="0" i="0" dirty="0">
+                <a:solidFill>
+                  <a:srgbClr val="666666"/>
+                </a:solidFill>
+                <a:effectLst/>
+                <a:latin typeface="Bitstream Vera Sans Mono"/>
+              </a:rPr>
+              <a:t>AUTOEXTEND ON NEXT </a:t>
+            </a:r>
+            <a:r>
+              <a:rPr lang="en-US" altLang="ko-KR" sz="1400" b="1" i="0" dirty="0">
+                <a:solidFill>
+                  <a:srgbClr val="FF0000"/>
+                </a:solidFill>
+                <a:effectLst/>
+                <a:latin typeface="Bitstream Vera Sans Mono"/>
+              </a:rPr>
+              <a:t>10M</a:t>
+            </a:r>
+            <a:r>
+              <a:rPr lang="en-US" altLang="ko-KR" sz="1400" b="0" i="0" dirty="0">
+                <a:solidFill>
+                  <a:srgbClr val="666666"/>
+                </a:solidFill>
+                <a:effectLst/>
+                <a:latin typeface="Bitstream Vera Sans Mono"/>
+              </a:rPr>
+              <a:t> MAXSIZE </a:t>
+            </a:r>
+            <a:r>
+              <a:rPr lang="en-US" altLang="ko-KR" sz="1400" b="1" i="0" dirty="0">
+                <a:solidFill>
+                  <a:srgbClr val="FF0000"/>
+                </a:solidFill>
+                <a:effectLst/>
+                <a:latin typeface="Bitstream Vera Sans Mono"/>
+              </a:rPr>
+              <a:t>1G</a:t>
+            </a:r>
+            <a:r>
+              <a:rPr lang="en-US" altLang="ko-KR" sz="1400" b="0" i="0" dirty="0">
+                <a:solidFill>
+                  <a:srgbClr val="666666"/>
+                </a:solidFill>
+                <a:effectLst/>
+                <a:latin typeface="Bitstream Vera Sans Mono"/>
+              </a:rPr>
+              <a:t> </a:t>
+            </a:r>
+            <a:endParaRPr lang="en-US" altLang="ko-KR" b="0" i="0" dirty="0">
+              <a:solidFill>
+                <a:srgbClr val="666666"/>
+              </a:solidFill>
+              <a:effectLst/>
+              <a:latin typeface="Spoqa Han Sans"/>
+            </a:endParaRPr>
+          </a:p>
+          <a:p>
+            <a:pPr marL="457200" lvl="1" indent="0">
+              <a:buNone/>
+            </a:pPr>
+            <a:r>
+              <a:rPr lang="en-US" altLang="ko-KR" sz="1400" b="0" i="0" dirty="0">
+                <a:solidFill>
+                  <a:srgbClr val="666666"/>
+                </a:solidFill>
+                <a:effectLst/>
+                <a:latin typeface="Bitstream Vera Sans Mono"/>
+              </a:rPr>
+              <a:t>EXTENT MANAGEMENT LOCAL AUTOALLOCATE</a:t>
+            </a:r>
+          </a:p>
+          <a:p>
+            <a:pPr algn="l"/>
+            <a:endParaRPr lang="en-US" altLang="ko-KR" sz="1800" dirty="0">
+              <a:solidFill>
+                <a:srgbClr val="666666"/>
+              </a:solidFill>
+              <a:latin typeface="Bitstream Vera Sans Mono"/>
+            </a:endParaRPr>
+          </a:p>
+          <a:p>
+            <a:pPr algn="l"/>
+            <a:r>
+              <a:rPr lang="ko-KR" altLang="en-US" sz="1800" dirty="0">
+                <a:solidFill>
+                  <a:srgbClr val="666666"/>
+                </a:solidFill>
+                <a:latin typeface="Bitstream Vera Sans Mono"/>
+              </a:rPr>
+              <a:t>유저생성</a:t>
+            </a:r>
+            <a:endParaRPr lang="en-US" altLang="ko-KR" sz="1800" dirty="0">
+              <a:solidFill>
+                <a:srgbClr val="666666"/>
+              </a:solidFill>
+              <a:latin typeface="Bitstream Vera Sans Mono"/>
+            </a:endParaRPr>
+          </a:p>
+          <a:p>
+            <a:pPr marL="457200" lvl="1" indent="0">
+              <a:buNone/>
+            </a:pPr>
+            <a:r>
+              <a:rPr lang="en-US" altLang="ko-KR" sz="1400" b="0" i="0" dirty="0">
+                <a:solidFill>
+                  <a:srgbClr val="666666"/>
+                </a:solidFill>
+                <a:effectLst/>
+                <a:latin typeface="Bitstream Vera Sans Mono"/>
+              </a:rPr>
+              <a:t>CREATE USER </a:t>
+            </a:r>
+            <a:r>
+              <a:rPr lang="en-US" altLang="ko-KR" sz="1400" b="1" i="0" dirty="0" err="1">
+                <a:solidFill>
+                  <a:srgbClr val="FF0000"/>
+                </a:solidFill>
+                <a:effectLst/>
+                <a:latin typeface="Bitstream Vera Sans Mono"/>
+              </a:rPr>
+              <a:t>user</a:t>
+            </a:r>
+            <a:r>
+              <a:rPr lang="en-US" altLang="ko-KR" sz="1400" b="1" dirty="0" err="1">
+                <a:solidFill>
+                  <a:srgbClr val="FF0000"/>
+                </a:solidFill>
+                <a:latin typeface="Bitstream Vera Sans Mono"/>
+              </a:rPr>
+              <a:t>ID</a:t>
+            </a:r>
+            <a:r>
+              <a:rPr lang="en-US" altLang="ko-KR" sz="1400" b="0" i="0" dirty="0">
+                <a:solidFill>
+                  <a:srgbClr val="666666"/>
+                </a:solidFill>
+                <a:effectLst/>
+                <a:latin typeface="Bitstream Vera Sans Mono"/>
+              </a:rPr>
+              <a:t> IDENTIFIED BY </a:t>
+            </a:r>
+            <a:r>
+              <a:rPr lang="en-US" altLang="ko-KR" sz="1400" b="1" i="0" dirty="0" err="1">
+                <a:solidFill>
+                  <a:srgbClr val="FF0000"/>
+                </a:solidFill>
+                <a:effectLst/>
+                <a:latin typeface="Bitstream Vera Sans Mono"/>
+              </a:rPr>
+              <a:t>userPWD</a:t>
+            </a:r>
+            <a:r>
+              <a:rPr lang="en-US" altLang="ko-KR" sz="1400" b="0" i="0" dirty="0">
+                <a:solidFill>
+                  <a:srgbClr val="666666"/>
+                </a:solidFill>
+                <a:effectLst/>
+                <a:latin typeface="Bitstream Vera Sans Mono"/>
+              </a:rPr>
+              <a:t> </a:t>
+            </a:r>
+            <a:endParaRPr lang="en-US" altLang="ko-KR" b="0" i="0" dirty="0">
+              <a:solidFill>
+                <a:srgbClr val="666666"/>
+              </a:solidFill>
+              <a:effectLst/>
+              <a:latin typeface="Spoqa Han Sans"/>
+            </a:endParaRPr>
+          </a:p>
+          <a:p>
+            <a:pPr marL="457200" lvl="1" indent="0">
+              <a:buNone/>
+            </a:pPr>
+            <a:r>
+              <a:rPr lang="en-US" altLang="ko-KR" sz="1400" b="0" i="0" dirty="0">
+                <a:solidFill>
+                  <a:srgbClr val="666666"/>
+                </a:solidFill>
+                <a:effectLst/>
+                <a:latin typeface="Bitstream Vera Sans Mono"/>
+              </a:rPr>
+              <a:t>DEFAULT TABLESPACE </a:t>
+            </a:r>
+            <a:r>
+              <a:rPr lang="en-US" altLang="ko-KR" sz="1400" b="1" i="0" dirty="0">
+                <a:solidFill>
+                  <a:srgbClr val="FF0000"/>
+                </a:solidFill>
+                <a:effectLst/>
+                <a:latin typeface="Bitstream Vera Sans Mono"/>
+              </a:rPr>
+              <a:t>user01</a:t>
+            </a:r>
+          </a:p>
+          <a:p>
+            <a:pPr algn="l"/>
+            <a:endParaRPr lang="en-US" altLang="ko-KR" sz="1800" b="1" dirty="0">
+              <a:solidFill>
+                <a:srgbClr val="FF0000"/>
+              </a:solidFill>
+              <a:latin typeface="Bitstream Vera Sans Mono"/>
+            </a:endParaRPr>
+          </a:p>
+          <a:p>
+            <a:pPr algn="l"/>
+            <a:r>
+              <a:rPr lang="ko-KR" altLang="en-US" sz="1600" b="0" i="0" dirty="0">
+                <a:solidFill>
+                  <a:srgbClr val="666666"/>
+                </a:solidFill>
+                <a:effectLst/>
+                <a:latin typeface="Spoqa Han Sans"/>
+              </a:rPr>
+              <a:t>유저권한 부여</a:t>
+            </a:r>
+            <a:endParaRPr lang="en-US" altLang="ko-KR" sz="1600" b="0" i="0" dirty="0">
+              <a:solidFill>
+                <a:srgbClr val="666666"/>
+              </a:solidFill>
+              <a:effectLst/>
+              <a:latin typeface="Spoqa Han Sans"/>
+            </a:endParaRPr>
+          </a:p>
+          <a:p>
+            <a:pPr marL="457200" lvl="1" indent="0">
+              <a:buNone/>
+            </a:pPr>
+            <a:r>
+              <a:rPr lang="en-US" altLang="ko-KR" sz="1400" b="0" i="0" dirty="0">
+                <a:solidFill>
+                  <a:srgbClr val="666666"/>
+                </a:solidFill>
+                <a:effectLst/>
+                <a:latin typeface="Spoqa Han Sans"/>
+              </a:rPr>
+              <a:t>GRANT RESOURCE, CONNECT, DBA TO </a:t>
+            </a:r>
+            <a:r>
+              <a:rPr lang="en-US" altLang="ko-KR" sz="1400" b="1" i="0" dirty="0" err="1">
+                <a:solidFill>
+                  <a:srgbClr val="FF0000"/>
+                </a:solidFill>
+                <a:effectLst/>
+                <a:latin typeface="Spoqa Han Sans"/>
+              </a:rPr>
+              <a:t>userID</a:t>
+            </a:r>
+            <a:endParaRPr lang="en-US" altLang="ko-KR" sz="1400" b="0" i="0" dirty="0">
+              <a:solidFill>
+                <a:srgbClr val="666666"/>
+              </a:solidFill>
+              <a:effectLst/>
+              <a:latin typeface="Spoqa Han Sans"/>
+            </a:endParaRPr>
+          </a:p>
+        </p:txBody>
+      </p:sp>
+    </p:spTree>
+    <p:extLst>
+      <p:ext uri="{BB962C8B-B14F-4D97-AF65-F5344CB8AC3E}">
+        <p14:creationId xmlns:p14="http://schemas.microsoft.com/office/powerpoint/2010/main" val="3781847488"/>
+      </p:ext>
+    </p:extLst>
+  </p:cSld>
+  <p:clrMapOvr>
+    <a:masterClrMapping/>
+  </p:clrMapOvr>
+</p:sld>
+</file>
+
+<file path=ppt/slides/slide6.xml><?xml version="1.0" encoding="utf-8"?>
+<p:sld xmlns:a="http://schemas.openxmlformats.org/drawingml/2006/main" xmlns:r="http://schemas.openxmlformats.org/officeDocument/2006/relationships" xmlns:p="http://schemas.openxmlformats.org/presentationml/2006/main">
+  <p:cSld>
+    <p:spTree>
+      <p:nvGrpSpPr>
+        <p:cNvPr id="1" name=""/>
+        <p:cNvGrpSpPr/>
+        <p:nvPr/>
+      </p:nvGrpSpPr>
+      <p:grpSpPr>
+        <a:xfrm>
+          <a:off x="0" y="0"/>
+          <a:ext cx="0" cy="0"/>
+          <a:chOff x="0" y="0"/>
+          <a:chExt cx="0" cy="0"/>
+        </a:xfrm>
+      </p:grpSpPr>
+      <p:sp>
+        <p:nvSpPr>
+          <p:cNvPr id="2" name="제목 1">
+            <a:extLst>
+              <a:ext uri="{FF2B5EF4-FFF2-40B4-BE49-F238E27FC236}">
                 <a16:creationId xmlns:a16="http://schemas.microsoft.com/office/drawing/2014/main" id="{D22B3097-F8E1-43A5-B23A-3F2935432DF4}"/>
               </a:ext>
             </a:extLst>
@@ -6053,6 +6237,141 @@
               </a:rPr>
               <a:t>절을 입력한다</a:t>
             </a:r>
+            <a:r>
+              <a:rPr kumimoji="0" lang="en-US" altLang="ko-KR" sz="1800" b="0" i="0" u="none" strike="noStrike" kern="1200" cap="none" spc="0" normalizeH="0" baseline="0" noProof="0" dirty="0">
+                <a:ln>
+                  <a:noFill/>
+                </a:ln>
+                <a:solidFill>
+                  <a:prstClr val="black"/>
+                </a:solidFill>
+                <a:effectLst/>
+                <a:uLnTx/>
+                <a:uFillTx/>
+                <a:latin typeface="맑은 고딕" panose="020F0502020204030204"/>
+                <a:ea typeface="맑은 고딕" panose="020B0503020000020004" pitchFamily="50" charset="-127"/>
+                <a:cs typeface="+mn-cs"/>
+              </a:rPr>
+              <a:t>.</a:t>
+            </a:r>
+          </a:p>
+          <a:p>
+            <a:pPr marL="228600" marR="0" lvl="0" indent="-228600" algn="l" defTabSz="914400" rtl="0" eaLnBrk="1" fontAlgn="auto" latinLnBrk="1" hangingPunct="1">
+              <a:lnSpc>
+                <a:spcPct val="90000"/>
+              </a:lnSpc>
+              <a:spcBef>
+                <a:spcPts val="1000"/>
+              </a:spcBef>
+              <a:spcAft>
+                <a:spcPts val="0"/>
+              </a:spcAft>
+              <a:buClrTx/>
+              <a:buSzTx/>
+              <a:buFont typeface="Arial" panose="020B0604020202020204" pitchFamily="34" charset="0"/>
+              <a:buChar char="•"/>
+              <a:tabLst/>
+              <a:defRPr/>
+            </a:pPr>
+            <a:r>
+              <a:rPr kumimoji="0" lang="en-US" altLang="ko-KR" sz="1800" b="0" i="0" u="none" strike="noStrike" kern="1200" cap="none" spc="0" normalizeH="0" baseline="0" noProof="0" dirty="0">
+                <a:ln>
+                  <a:noFill/>
+                </a:ln>
+                <a:solidFill>
+                  <a:prstClr val="black"/>
+                </a:solidFill>
+                <a:effectLst/>
+                <a:uLnTx/>
+                <a:uFillTx/>
+                <a:latin typeface="맑은 고딕" panose="020F0502020204030204"/>
+                <a:ea typeface="맑은 고딕" panose="020B0503020000020004" pitchFamily="50" charset="-127"/>
+                <a:cs typeface="+mn-cs"/>
+              </a:rPr>
+              <a:t>OPENINFO</a:t>
+            </a:r>
+            <a:r>
+              <a:rPr kumimoji="0" lang="ko-KR" altLang="en-US" sz="1800" b="0" i="0" u="none" strike="noStrike" kern="1200" cap="none" spc="0" normalizeH="0" baseline="0" noProof="0" dirty="0">
+                <a:ln>
+                  <a:noFill/>
+                </a:ln>
+                <a:solidFill>
+                  <a:prstClr val="black"/>
+                </a:solidFill>
+                <a:effectLst/>
+                <a:uLnTx/>
+                <a:uFillTx/>
+                <a:latin typeface="맑은 고딕" panose="020F0502020204030204"/>
+                <a:ea typeface="맑은 고딕" panose="020B0503020000020004" pitchFamily="50" charset="-127"/>
+                <a:cs typeface="+mn-cs"/>
+              </a:rPr>
+              <a:t>에는 </a:t>
+            </a:r>
+            <a:r>
+              <a:rPr kumimoji="0" lang="ko-KR" altLang="en-US" sz="1800" b="0" i="0" u="none" strike="noStrike" kern="1200" cap="none" spc="0" normalizeH="0" baseline="0" noProof="0" dirty="0" err="1">
+                <a:ln>
+                  <a:noFill/>
+                </a:ln>
+                <a:solidFill>
+                  <a:prstClr val="black"/>
+                </a:solidFill>
+                <a:effectLst/>
+                <a:uLnTx/>
+                <a:uFillTx/>
+                <a:latin typeface="맑은 고딕" panose="020F0502020204030204"/>
+                <a:ea typeface="맑은 고딕" panose="020B0503020000020004" pitchFamily="50" charset="-127"/>
+                <a:cs typeface="+mn-cs"/>
+              </a:rPr>
+              <a:t>디비</a:t>
+            </a:r>
+            <a:r>
+              <a:rPr kumimoji="0" lang="ko-KR" altLang="en-US" sz="1800" b="0" i="0" u="none" strike="noStrike" kern="1200" cap="none" spc="0" normalizeH="0" baseline="0" noProof="0" dirty="0">
+                <a:ln>
+                  <a:noFill/>
+                </a:ln>
+                <a:solidFill>
+                  <a:prstClr val="black"/>
+                </a:solidFill>
+                <a:effectLst/>
+                <a:uLnTx/>
+                <a:uFillTx/>
+                <a:latin typeface="맑은 고딕" panose="020F0502020204030204"/>
+                <a:ea typeface="맑은 고딕" panose="020B0503020000020004" pitchFamily="50" charset="-127"/>
+                <a:cs typeface="+mn-cs"/>
+              </a:rPr>
+              <a:t> 정보를 입력한다</a:t>
+            </a:r>
+            <a:r>
+              <a:rPr kumimoji="0" lang="en-US" altLang="ko-KR" sz="1800" b="0" i="0" u="none" strike="noStrike" kern="1200" cap="none" spc="0" normalizeH="0" baseline="0" noProof="0" dirty="0">
+                <a:ln>
+                  <a:noFill/>
+                </a:ln>
+                <a:solidFill>
+                  <a:prstClr val="black"/>
+                </a:solidFill>
+                <a:effectLst/>
+                <a:uLnTx/>
+                <a:uFillTx/>
+                <a:latin typeface="맑은 고딕" panose="020F0502020204030204"/>
+                <a:ea typeface="맑은 고딕" panose="020B0503020000020004" pitchFamily="50" charset="-127"/>
+                <a:cs typeface="+mn-cs"/>
+              </a:rPr>
+              <a:t>.</a:t>
+            </a:r>
+            <a:endParaRPr kumimoji="0" lang="ko-KR" altLang="en-US" sz="1800" b="0" i="0" u="none" strike="noStrike" kern="1200" cap="none" spc="0" normalizeH="0" baseline="0" noProof="0" dirty="0">
+              <a:ln>
+                <a:noFill/>
+              </a:ln>
+              <a:solidFill>
+                <a:prstClr val="black"/>
+              </a:solidFill>
+              <a:effectLst/>
+              <a:uLnTx/>
+              <a:uFillTx/>
+              <a:latin typeface="맑은 고딕" panose="020F0502020204030204"/>
+              <a:ea typeface="맑은 고딕" panose="020B0503020000020004" pitchFamily="50" charset="-127"/>
+              <a:cs typeface="+mn-cs"/>
+            </a:endParaRPr>
           </a:p>
           <a:p>
             <a:pPr marL="0" indent="0">
@@ -6187,7 +6506,7 @@
 </p:sld>
 </file>
 
-<file path=ppt/slides/slide6.xml><?xml version="1.0" encoding="utf-8"?>
+<file path=ppt/slides/slide7.xml><?xml version="1.0" encoding="utf-8"?>
 <p:sld xmlns:a="http://schemas.openxmlformats.org/drawingml/2006/main" xmlns:r="http://schemas.openxmlformats.org/officeDocument/2006/relationships" xmlns:p="http://schemas.openxmlformats.org/presentationml/2006/main">
   <p:cSld>
     <p:spTree>
@@ -6435,7 +6754,7 @@
 </p:sld>
 </file>
 
-<file path=ppt/slides/slide7.xml><?xml version="1.0" encoding="utf-8"?>
+<file path=ppt/slides/slide8.xml><?xml version="1.0" encoding="utf-8"?>
 <p:sld xmlns:a="http://schemas.openxmlformats.org/drawingml/2006/main" xmlns:r="http://schemas.openxmlformats.org/officeDocument/2006/relationships" xmlns:p="http://schemas.openxmlformats.org/presentationml/2006/main">
   <p:cSld>
     <p:spTree>
@@ -6864,432 +7183,6 @@
 </p:sld>
 </file>
 
-<file path=ppt/slides/slide8.xml><?xml version="1.0" encoding="utf-8"?>
-<p:sld xmlns:a="http://schemas.openxmlformats.org/drawingml/2006/main" xmlns:r="http://schemas.openxmlformats.org/officeDocument/2006/relationships" xmlns:p="http://schemas.openxmlformats.org/presentationml/2006/main">
-  <p:cSld>
-    <p:spTree>
-      <p:nvGrpSpPr>
-        <p:cNvPr id="1" name=""/>
-        <p:cNvGrpSpPr/>
-        <p:nvPr/>
-      </p:nvGrpSpPr>
-      <p:grpSpPr>
-        <a:xfrm>
-          <a:off x="0" y="0"/>
-          <a:ext cx="0" cy="0"/>
-          <a:chOff x="0" y="0"/>
-          <a:chExt cx="0" cy="0"/>
-        </a:xfrm>
-      </p:grpSpPr>
-      <p:sp>
-        <p:nvSpPr>
-          <p:cNvPr id="2" name="제목 1">
-            <a:extLst>
-              <a:ext uri="{FF2B5EF4-FFF2-40B4-BE49-F238E27FC236}">
-                <a16:creationId xmlns:a16="http://schemas.microsoft.com/office/drawing/2014/main" id="{F4985AB7-5BEF-4112-9D9D-AD1B288BF71F}"/>
-              </a:ext>
-            </a:extLst>
-          </p:cNvPr>
-          <p:cNvSpPr>
-            <a:spLocks noGrp="1"/>
-          </p:cNvSpPr>
-          <p:nvPr>
-            <p:ph type="title"/>
-          </p:nvPr>
-        </p:nvSpPr>
-        <p:spPr/>
-        <p:txBody>
-          <a:bodyPr/>
-          <a:lstStyle/>
-          <a:p>
-            <a:r>
-              <a:rPr lang="ko-KR" altLang="en-US" dirty="0" err="1"/>
-              <a:t>서버컴파일</a:t>
-            </a:r>
-            <a:endParaRPr lang="ko-KR" altLang="en-US" dirty="0"/>
-          </a:p>
-        </p:txBody>
-      </p:sp>
-      <p:sp>
-        <p:nvSpPr>
-          <p:cNvPr id="3" name="내용 개체 틀 2">
-            <a:extLst>
-              <a:ext uri="{FF2B5EF4-FFF2-40B4-BE49-F238E27FC236}">
-                <a16:creationId xmlns:a16="http://schemas.microsoft.com/office/drawing/2014/main" id="{4224814A-3F8C-4851-9B90-0DA3A6FB4CF8}"/>
-              </a:ext>
-            </a:extLst>
-          </p:cNvPr>
-          <p:cNvSpPr>
-            <a:spLocks noGrp="1"/>
-          </p:cNvSpPr>
-          <p:nvPr>
-            <p:ph idx="1"/>
-          </p:nvPr>
-        </p:nvSpPr>
-        <p:spPr/>
-        <p:txBody>
-          <a:bodyPr>
-            <a:normAutofit fontScale="92500" lnSpcReduction="20000"/>
-          </a:bodyPr>
-          <a:lstStyle/>
-          <a:p>
-            <a:r>
-              <a:rPr lang="ko-KR" altLang="en-US" dirty="0" err="1"/>
-              <a:t>프리컴파일</a:t>
-            </a:r>
-            <a:endParaRPr lang="en-US" altLang="ko-KR" dirty="0"/>
-          </a:p>
-          <a:p>
-            <a:r>
-              <a:rPr lang="en-US" altLang="ko-KR" dirty="0" err="1"/>
-              <a:t>tbpc</a:t>
-            </a:r>
-            <a:r>
-              <a:rPr lang="en-US" altLang="ko-KR" dirty="0"/>
-              <a:t> </a:t>
-            </a:r>
-            <a:r>
-              <a:rPr lang="en-US" altLang="ko-KR" dirty="0" err="1"/>
-              <a:t>bank_svr.tbc</a:t>
-            </a:r>
-            <a:endParaRPr lang="en-US" altLang="ko-KR" dirty="0"/>
-          </a:p>
-          <a:p>
-            <a:r>
-              <a:rPr lang="en-US" altLang="ko-KR" dirty="0" err="1"/>
-              <a:t>tbpc</a:t>
-            </a:r>
-            <a:r>
-              <a:rPr lang="en-US" altLang="ko-KR" dirty="0"/>
-              <a:t> </a:t>
-            </a:r>
-            <a:r>
-              <a:rPr lang="en-US" altLang="ko-KR" dirty="0" err="1"/>
-              <a:t>bank_rec.tbc</a:t>
-            </a:r>
-            <a:r>
-              <a:rPr lang="en-US" altLang="ko-KR" dirty="0"/>
-              <a:t> </a:t>
-            </a:r>
-            <a:r>
-              <a:rPr lang="en-US" altLang="ko-KR" dirty="0">
-                <a:sym typeface="Wingdings" panose="05000000000000000000" pitchFamily="2" charset="2"/>
-              </a:rPr>
-              <a:t></a:t>
-            </a:r>
-            <a:r>
-              <a:rPr lang="ko-KR" altLang="en-US" dirty="0" err="1">
-                <a:sym typeface="Wingdings" panose="05000000000000000000" pitchFamily="2" charset="2"/>
-              </a:rPr>
-              <a:t>프리컴파일시</a:t>
-            </a:r>
-            <a:r>
-              <a:rPr lang="ko-KR" altLang="en-US" dirty="0">
-                <a:sym typeface="Wingdings" panose="05000000000000000000" pitchFamily="2" charset="2"/>
-              </a:rPr>
-              <a:t> </a:t>
-            </a:r>
-            <a:r>
-              <a:rPr lang="en-US" altLang="ko-KR" dirty="0">
-                <a:sym typeface="Wingdings" panose="05000000000000000000" pitchFamily="2" charset="2"/>
-              </a:rPr>
-              <a:t>bank_*.c</a:t>
-            </a:r>
-            <a:r>
-              <a:rPr lang="ko-KR" altLang="en-US" dirty="0">
-                <a:sym typeface="Wingdings" panose="05000000000000000000" pitchFamily="2" charset="2"/>
-              </a:rPr>
-              <a:t>파일이 생성된다</a:t>
-            </a:r>
-            <a:r>
-              <a:rPr lang="en-US" altLang="ko-KR" dirty="0">
-                <a:sym typeface="Wingdings" panose="05000000000000000000" pitchFamily="2" charset="2"/>
-              </a:rPr>
-              <a:t>.</a:t>
-            </a:r>
-            <a:endParaRPr lang="en-US" altLang="ko-KR" dirty="0"/>
-          </a:p>
-          <a:p>
-            <a:endParaRPr lang="en-US" altLang="ko-KR" dirty="0"/>
-          </a:p>
-          <a:p>
-            <a:endParaRPr lang="en-US" altLang="ko-KR" dirty="0"/>
-          </a:p>
-          <a:p>
-            <a:r>
-              <a:rPr lang="en-US" altLang="ko-KR" sz="1900" dirty="0" err="1"/>
-              <a:t>gcc</a:t>
-            </a:r>
-            <a:r>
-              <a:rPr lang="en-US" altLang="ko-KR" sz="1900" dirty="0"/>
-              <a:t> -O -o </a:t>
-            </a:r>
-            <a:r>
-              <a:rPr lang="en-US" altLang="ko-KR" sz="1900" dirty="0" err="1"/>
-              <a:t>bank_svr</a:t>
-            </a:r>
-            <a:r>
-              <a:rPr lang="en-US" altLang="ko-KR" sz="1900" dirty="0"/>
-              <a:t> -I$(TMAXDIR) -I$(TB_HOME)/client/include -L$(TMAXDIR)/lib64 -L$(TB_HOME)/client/lib </a:t>
-            </a:r>
-            <a:r>
-              <a:rPr lang="en-US" altLang="ko-KR" sz="1900" dirty="0" err="1"/>
-              <a:t>bank_svr.c</a:t>
-            </a:r>
-            <a:r>
-              <a:rPr lang="en-US" altLang="ko-KR" sz="1900" dirty="0"/>
-              <a:t> $(TMAXDIR)/</a:t>
-            </a:r>
-            <a:r>
-              <a:rPr lang="en-US" altLang="ko-KR" sz="1900" dirty="0" err="1"/>
-              <a:t>svct</a:t>
-            </a:r>
-            <a:r>
-              <a:rPr lang="en-US" altLang="ko-KR" sz="1900" dirty="0"/>
-              <a:t>/</a:t>
-            </a:r>
-            <a:r>
-              <a:rPr lang="en-US" altLang="ko-KR" sz="1900" dirty="0" err="1"/>
-              <a:t>bank_svr_svctab.c</a:t>
-            </a:r>
-            <a:r>
-              <a:rPr lang="en-US" altLang="ko-KR" sz="1900" dirty="0"/>
-              <a:t> $(TMAXDIR)/lib64/</a:t>
-            </a:r>
-            <a:r>
-              <a:rPr lang="en-US" altLang="ko-KR" sz="1900" dirty="0" err="1"/>
-              <a:t>sdl.o</a:t>
-            </a:r>
-            <a:r>
-              <a:rPr lang="en-US" altLang="ko-KR" sz="1900" dirty="0"/>
-              <a:t> -</a:t>
-            </a:r>
-            <a:r>
-              <a:rPr lang="en-US" altLang="ko-KR" sz="1900" dirty="0" err="1"/>
-              <a:t>lsvr</a:t>
-            </a:r>
-            <a:r>
-              <a:rPr lang="en-US" altLang="ko-KR" sz="1900" dirty="0"/>
-              <a:t> -</a:t>
-            </a:r>
-            <a:r>
-              <a:rPr lang="en-US" altLang="ko-KR" sz="1900" dirty="0" err="1"/>
-              <a:t>ltbs</a:t>
-            </a:r>
-            <a:r>
-              <a:rPr lang="en-US" altLang="ko-KR" sz="1900" dirty="0"/>
-              <a:t> -</a:t>
-            </a:r>
-            <a:r>
-              <a:rPr lang="en-US" altLang="ko-KR" sz="1900" dirty="0" err="1"/>
-              <a:t>ltbxa</a:t>
-            </a:r>
-            <a:r>
-              <a:rPr lang="en-US" altLang="ko-KR" sz="1900" dirty="0"/>
-              <a:t> -</a:t>
-            </a:r>
-            <a:r>
-              <a:rPr lang="en-US" altLang="ko-KR" sz="1900" dirty="0" err="1"/>
-              <a:t>ltbertl</a:t>
-            </a:r>
-            <a:r>
-              <a:rPr lang="en-US" altLang="ko-KR" sz="1900" dirty="0"/>
-              <a:t> -</a:t>
-            </a:r>
-            <a:r>
-              <a:rPr lang="en-US" altLang="ko-KR" sz="1900" dirty="0" err="1"/>
-              <a:t>ltbcli</a:t>
-            </a:r>
-            <a:r>
-              <a:rPr lang="en-US" altLang="ko-KR" sz="1900" dirty="0"/>
-              <a:t> -</a:t>
-            </a:r>
-            <a:r>
-              <a:rPr lang="en-US" altLang="ko-KR" sz="1900" dirty="0" err="1"/>
-              <a:t>lm</a:t>
-            </a:r>
-            <a:r>
-              <a:rPr lang="en-US" altLang="ko-KR" sz="1900" dirty="0"/>
-              <a:t> -</a:t>
-            </a:r>
-            <a:r>
-              <a:rPr lang="en-US" altLang="ko-KR" sz="1900" dirty="0" err="1"/>
-              <a:t>lpthread</a:t>
-            </a:r>
-            <a:r>
-              <a:rPr lang="en-US" altLang="ko-KR" sz="1900" dirty="0"/>
-              <a:t> -</a:t>
-            </a:r>
-            <a:r>
-              <a:rPr lang="en-US" altLang="ko-KR" sz="1900" dirty="0" err="1"/>
-              <a:t>lnodb</a:t>
-            </a:r>
-            <a:endParaRPr lang="en-US" altLang="ko-KR" sz="1900" dirty="0"/>
-          </a:p>
-          <a:p>
-            <a:r>
-              <a:rPr lang="en-US" altLang="ko-KR" sz="1900" dirty="0" err="1"/>
-              <a:t>gcc</a:t>
-            </a:r>
-            <a:r>
-              <a:rPr lang="en-US" altLang="ko-KR" sz="1900" dirty="0"/>
-              <a:t> -O -o </a:t>
-            </a:r>
-            <a:r>
-              <a:rPr lang="en-US" altLang="ko-KR" sz="1900" dirty="0" err="1"/>
-              <a:t>bank_rec</a:t>
-            </a:r>
-            <a:r>
-              <a:rPr lang="en-US" altLang="ko-KR" sz="1900" dirty="0"/>
-              <a:t> -I$(TMAXDIR) -I$(TB_HOME)/client/include -L$(TMAXDIR)/lib64 -L$(TB_HOME)/client/lib </a:t>
-            </a:r>
-            <a:r>
-              <a:rPr lang="en-US" altLang="ko-KR" sz="1900" dirty="0" err="1"/>
-              <a:t>bank_rec.c</a:t>
-            </a:r>
-            <a:r>
-              <a:rPr lang="en-US" altLang="ko-KR" sz="1900" dirty="0"/>
-              <a:t> $(TMAXDIR)/</a:t>
-            </a:r>
-            <a:r>
-              <a:rPr lang="en-US" altLang="ko-KR" sz="1900" dirty="0" err="1"/>
-              <a:t>svct</a:t>
-            </a:r>
-            <a:r>
-              <a:rPr lang="en-US" altLang="ko-KR" sz="1900" dirty="0"/>
-              <a:t>/</a:t>
-            </a:r>
-            <a:r>
-              <a:rPr lang="en-US" altLang="ko-KR" sz="1900" dirty="0" err="1"/>
-              <a:t>bank_rec_svctab.c</a:t>
-            </a:r>
-            <a:r>
-              <a:rPr lang="en-US" altLang="ko-KR" sz="1900" dirty="0"/>
-              <a:t> $(TMAXDIR)/lib64/</a:t>
-            </a:r>
-            <a:r>
-              <a:rPr lang="en-US" altLang="ko-KR" sz="1900" dirty="0" err="1"/>
-              <a:t>sdl.o</a:t>
-            </a:r>
-            <a:r>
-              <a:rPr lang="en-US" altLang="ko-KR" sz="1900" dirty="0"/>
-              <a:t> -</a:t>
-            </a:r>
-            <a:r>
-              <a:rPr lang="en-US" altLang="ko-KR" sz="1900" dirty="0" err="1"/>
-              <a:t>lsvr</a:t>
-            </a:r>
-            <a:r>
-              <a:rPr lang="en-US" altLang="ko-KR" sz="1900" dirty="0"/>
-              <a:t> -</a:t>
-            </a:r>
-            <a:r>
-              <a:rPr lang="en-US" altLang="ko-KR" sz="1900" dirty="0" err="1"/>
-              <a:t>ltbs</a:t>
-            </a:r>
-            <a:r>
-              <a:rPr lang="en-US" altLang="ko-KR" sz="1900" dirty="0"/>
-              <a:t> -</a:t>
-            </a:r>
-            <a:r>
-              <a:rPr lang="en-US" altLang="ko-KR" sz="1900" dirty="0" err="1"/>
-              <a:t>ltbxa</a:t>
-            </a:r>
-            <a:r>
-              <a:rPr lang="en-US" altLang="ko-KR" sz="1900" dirty="0"/>
-              <a:t> -</a:t>
-            </a:r>
-            <a:r>
-              <a:rPr lang="en-US" altLang="ko-KR" sz="1900" dirty="0" err="1"/>
-              <a:t>ltbertl</a:t>
-            </a:r>
-            <a:r>
-              <a:rPr lang="en-US" altLang="ko-KR" sz="1900" dirty="0"/>
-              <a:t> -</a:t>
-            </a:r>
-            <a:r>
-              <a:rPr lang="en-US" altLang="ko-KR" sz="1900" dirty="0" err="1"/>
-              <a:t>ltbcli</a:t>
-            </a:r>
-            <a:r>
-              <a:rPr lang="en-US" altLang="ko-KR" sz="1900" dirty="0"/>
-              <a:t> -</a:t>
-            </a:r>
-            <a:r>
-              <a:rPr lang="en-US" altLang="ko-KR" sz="1900" dirty="0" err="1"/>
-              <a:t>lm</a:t>
-            </a:r>
-            <a:r>
-              <a:rPr lang="en-US" altLang="ko-KR" sz="1900" dirty="0"/>
-              <a:t> -</a:t>
-            </a:r>
-            <a:r>
-              <a:rPr lang="en-US" altLang="ko-KR" sz="1900" dirty="0" err="1"/>
-              <a:t>lpthread</a:t>
-            </a:r>
-            <a:r>
-              <a:rPr lang="en-US" altLang="ko-KR" sz="1900" dirty="0"/>
-              <a:t> -</a:t>
-            </a:r>
-            <a:r>
-              <a:rPr lang="en-US" altLang="ko-KR" sz="1900" dirty="0" err="1"/>
-              <a:t>lnodb</a:t>
-            </a:r>
-            <a:endParaRPr lang="en-US" altLang="ko-KR" sz="1900" dirty="0"/>
-          </a:p>
-          <a:p>
-            <a:r>
-              <a:rPr lang="en-US" altLang="ko-KR" sz="1800" dirty="0"/>
-              <a:t>cp </a:t>
-            </a:r>
-            <a:r>
-              <a:rPr lang="en-US" altLang="ko-KR" sz="1800" dirty="0" err="1"/>
-              <a:t>bank_svr</a:t>
-            </a:r>
-            <a:r>
-              <a:rPr lang="en-US" altLang="ko-KR" sz="1800" dirty="0"/>
-              <a:t> $(TMAXDIR)/</a:t>
-            </a:r>
-            <a:r>
-              <a:rPr lang="en-US" altLang="ko-KR" sz="1800" dirty="0" err="1"/>
-              <a:t>appbin</a:t>
-            </a:r>
-            <a:endParaRPr lang="en-US" altLang="ko-KR" sz="1800" dirty="0"/>
-          </a:p>
-          <a:p>
-            <a:r>
-              <a:rPr lang="en-US" altLang="ko-KR" sz="1800" dirty="0"/>
-              <a:t>cp </a:t>
-            </a:r>
-            <a:r>
-              <a:rPr lang="en-US" altLang="ko-KR" sz="1800" dirty="0" err="1"/>
-              <a:t>bank_rec</a:t>
-            </a:r>
-            <a:r>
-              <a:rPr lang="en-US" altLang="ko-KR" sz="1800" dirty="0"/>
-              <a:t> $(TMAXDIR)/</a:t>
-            </a:r>
-            <a:r>
-              <a:rPr lang="en-US" altLang="ko-KR" sz="1800" dirty="0" err="1"/>
-              <a:t>appbin</a:t>
-            </a:r>
-            <a:endParaRPr lang="en-US" altLang="ko-KR" sz="1800" dirty="0"/>
-          </a:p>
-        </p:txBody>
-      </p:sp>
-    </p:spTree>
-    <p:extLst>
-      <p:ext uri="{BB962C8B-B14F-4D97-AF65-F5344CB8AC3E}">
-        <p14:creationId xmlns:p14="http://schemas.microsoft.com/office/powerpoint/2010/main" val="4068537459"/>
-      </p:ext>
-    </p:extLst>
-  </p:cSld>
-  <p:clrMapOvr>
-    <a:masterClrMapping/>
-  </p:clrMapOvr>
-</p:sld>
-</file>
-
 <file path=ppt/slides/slide9.xml><?xml version="1.0" encoding="utf-8"?>
 <p:sld xmlns:a="http://schemas.openxmlformats.org/drawingml/2006/main" xmlns:r="http://schemas.openxmlformats.org/officeDocument/2006/relationships" xmlns:p="http://schemas.openxmlformats.org/presentationml/2006/main">
   <p:cSld>
@@ -7312,7 +7205,7 @@
           <p:cNvPr id="2" name="제목 1">
             <a:extLst>
               <a:ext uri="{FF2B5EF4-FFF2-40B4-BE49-F238E27FC236}">
-                <a16:creationId xmlns:a16="http://schemas.microsoft.com/office/drawing/2014/main" id="{CEA20763-E466-416D-B563-3EBDF95EB0DA}"/>
+                <a16:creationId xmlns:a16="http://schemas.microsoft.com/office/drawing/2014/main" id="{F4985AB7-5BEF-4112-9D9D-AD1B288BF71F}"/>
               </a:ext>
             </a:extLst>
           </p:cNvPr>
@@ -7329,130 +7222,384 @@
           <a:lstStyle/>
           <a:p>
             <a:r>
-              <a:rPr lang="ko-KR" altLang="en-US" dirty="0"/>
-              <a:t>서버 컴파일 </a:t>
-            </a:r>
-            <a:r>
               <a:rPr lang="ko-KR" altLang="en-US" dirty="0" err="1"/>
-              <a:t>성공시</a:t>
+              <a:t>서버컴파일</a:t>
             </a:r>
             <a:endParaRPr lang="ko-KR" altLang="en-US" dirty="0"/>
           </a:p>
         </p:txBody>
       </p:sp>
-      <p:pic>
-        <p:nvPicPr>
-          <p:cNvPr id="5" name="내용 개체 틀 4" descr="텍스트, 전자기기이(가) 표시된 사진&#10;&#10;자동 생성된 설명">
-            <a:extLst>
-              <a:ext uri="{FF2B5EF4-FFF2-40B4-BE49-F238E27FC236}">
-                <a16:creationId xmlns:a16="http://schemas.microsoft.com/office/drawing/2014/main" id="{726D9B1A-EF00-4679-A84B-F594541A38E7}"/>
-              </a:ext>
-            </a:extLst>
-          </p:cNvPr>
-          <p:cNvPicPr>
-            <a:picLocks noGrp="1" noChangeAspect="1"/>
-          </p:cNvPicPr>
+      <p:sp>
+        <p:nvSpPr>
+          <p:cNvPr id="3" name="내용 개체 틀 2">
+            <a:extLst>
+              <a:ext uri="{FF2B5EF4-FFF2-40B4-BE49-F238E27FC236}">
+                <a16:creationId xmlns:a16="http://schemas.microsoft.com/office/drawing/2014/main" id="{4224814A-3F8C-4851-9B90-0DA3A6FB4CF8}"/>
+              </a:ext>
+            </a:extLst>
+          </p:cNvPr>
+          <p:cNvSpPr>
+            <a:spLocks noGrp="1"/>
+          </p:cNvSpPr>
           <p:nvPr>
             <p:ph idx="1"/>
           </p:nvPr>
-        </p:nvPicPr>
-        <p:blipFill>
-          <a:blip r:embed="rId2"/>
-          <a:stretch>
-            <a:fillRect/>
-          </a:stretch>
-        </p:blipFill>
-        <p:spPr>
-          <a:xfrm>
-            <a:off x="838200" y="1816927"/>
-            <a:ext cx="9819033" cy="1989760"/>
-          </a:xfrm>
-        </p:spPr>
-      </p:pic>
-      <p:sp>
-        <p:nvSpPr>
-          <p:cNvPr id="6" name="TextBox 5">
-            <a:extLst>
-              <a:ext uri="{FF2B5EF4-FFF2-40B4-BE49-F238E27FC236}">
-                <a16:creationId xmlns:a16="http://schemas.microsoft.com/office/drawing/2014/main" id="{AF41F714-7A1A-4F91-97BC-94FB18921D6A}"/>
-              </a:ext>
-            </a:extLst>
-          </p:cNvPr>
-          <p:cNvSpPr txBox="1"/>
-          <p:nvPr/>
-        </p:nvSpPr>
-        <p:spPr>
-          <a:xfrm>
-            <a:off x="838200" y="4134391"/>
-            <a:ext cx="6437243" cy="646331"/>
-          </a:xfrm>
-          <a:prstGeom prst="rect">
-            <a:avLst/>
-          </a:prstGeom>
-          <a:noFill/>
-        </p:spPr>
-        <p:txBody>
-          <a:bodyPr wrap="square" rtlCol="0">
-            <a:spAutoFit/>
+        </p:nvSpPr>
+        <p:spPr/>
+        <p:txBody>
+          <a:bodyPr>
+            <a:normAutofit fontScale="92500" lnSpcReduction="20000"/>
           </a:bodyPr>
           <a:lstStyle/>
           <a:p>
             <a:r>
+              <a:rPr lang="ko-KR" altLang="en-US" dirty="0" err="1"/>
+              <a:t>프리컴파일</a:t>
+            </a:r>
+            <a:endParaRPr lang="en-US" altLang="ko-KR" dirty="0"/>
+          </a:p>
+          <a:p>
+            <a:r>
+              <a:rPr lang="en-US" altLang="ko-KR" dirty="0" err="1"/>
+              <a:t>tbpc</a:t>
+            </a:r>
+            <a:r>
               <a:rPr lang="en-US" altLang="ko-KR" dirty="0"/>
-              <a:t>Cp</a:t>
-            </a:r>
-            <a:r>
-              <a:rPr lang="ko-KR" altLang="en-US" dirty="0"/>
-              <a:t>가 안되고 </a:t>
+              <a:t> </a:t>
+            </a:r>
+            <a:r>
+              <a:rPr lang="en-US" altLang="ko-KR" dirty="0" err="1"/>
+              <a:t>bank_svr.tbc</a:t>
+            </a:r>
+            <a:endParaRPr lang="en-US" altLang="ko-KR" dirty="0"/>
+          </a:p>
+          <a:p>
+            <a:r>
+              <a:rPr lang="en-US" altLang="ko-KR" dirty="0" err="1"/>
+              <a:t>tbpc</a:t>
             </a:r>
             <a:r>
               <a:rPr lang="en-US" altLang="ko-KR" dirty="0"/>
-              <a:t>text file busy</a:t>
-            </a:r>
-            <a:r>
-              <a:rPr lang="ko-KR" altLang="en-US" dirty="0"/>
-              <a:t>라는 오류 발생시 </a:t>
-            </a:r>
-            <a:r>
-              <a:rPr lang="ko-KR" altLang="en-US" dirty="0" err="1"/>
-              <a:t>티맥스를</a:t>
-            </a:r>
-            <a:r>
-              <a:rPr lang="ko-KR" altLang="en-US" dirty="0"/>
-              <a:t> 끄고 컴파일 </a:t>
-            </a:r>
-            <a:r>
-              <a:rPr lang="ko-KR" altLang="en-US" dirty="0" err="1"/>
-              <a:t>해준뒤</a:t>
-            </a:r>
-            <a:r>
-              <a:rPr lang="ko-KR" altLang="en-US" dirty="0"/>
-              <a:t> 다시 </a:t>
-            </a:r>
-            <a:r>
-              <a:rPr lang="ko-KR" altLang="en-US" dirty="0" err="1"/>
-              <a:t>티맥스를</a:t>
-            </a:r>
-            <a:r>
-              <a:rPr lang="ko-KR" altLang="en-US" dirty="0"/>
               <a:t> </a:t>
             </a:r>
             <a:r>
-              <a:rPr lang="ko-KR" altLang="en-US" dirty="0" err="1"/>
-              <a:t>키면된다</a:t>
+              <a:rPr lang="en-US" altLang="ko-KR" dirty="0" err="1"/>
+              <a:t>bank_rec.tbc</a:t>
             </a:r>
             <a:r>
               <a:rPr lang="en-US" altLang="ko-KR" dirty="0"/>
+              <a:t> </a:t>
+            </a:r>
+            <a:r>
+              <a:rPr lang="en-US" altLang="ko-KR" dirty="0">
+                <a:sym typeface="Wingdings" panose="05000000000000000000" pitchFamily="2" charset="2"/>
+              </a:rPr>
+              <a:t></a:t>
+            </a:r>
+            <a:r>
+              <a:rPr lang="ko-KR" altLang="en-US" dirty="0" err="1">
+                <a:sym typeface="Wingdings" panose="05000000000000000000" pitchFamily="2" charset="2"/>
+              </a:rPr>
+              <a:t>프리컴파일시</a:t>
+            </a:r>
+            <a:r>
+              <a:rPr lang="ko-KR" altLang="en-US" dirty="0">
+                <a:sym typeface="Wingdings" panose="05000000000000000000" pitchFamily="2" charset="2"/>
+              </a:rPr>
+              <a:t> </a:t>
+            </a:r>
+            <a:r>
+              <a:rPr lang="en-US" altLang="ko-KR" dirty="0">
+                <a:sym typeface="Wingdings" panose="05000000000000000000" pitchFamily="2" charset="2"/>
+              </a:rPr>
+              <a:t>bank_*.c</a:t>
+            </a:r>
+            <a:r>
+              <a:rPr lang="ko-KR" altLang="en-US" dirty="0">
+                <a:sym typeface="Wingdings" panose="05000000000000000000" pitchFamily="2" charset="2"/>
+              </a:rPr>
+              <a:t>파일이 생성된다</a:t>
+            </a:r>
+            <a:r>
+              <a:rPr lang="en-US" altLang="ko-KR" dirty="0">
+                <a:sym typeface="Wingdings" panose="05000000000000000000" pitchFamily="2" charset="2"/>
+              </a:rPr>
               <a:t>.</a:t>
             </a:r>
-            <a:endParaRPr lang="ko-KR" altLang="en-US" dirty="0"/>
+            <a:endParaRPr lang="en-US" altLang="ko-KR" dirty="0"/>
+          </a:p>
+          <a:p>
+            <a:endParaRPr lang="en-US" altLang="ko-KR" dirty="0"/>
+          </a:p>
+          <a:p>
+            <a:endParaRPr lang="en-US" altLang="ko-KR" dirty="0"/>
+          </a:p>
+          <a:p>
+            <a:r>
+              <a:rPr lang="en-US" altLang="ko-KR" sz="1900" dirty="0" err="1"/>
+              <a:t>gcc</a:t>
+            </a:r>
+            <a:r>
+              <a:rPr lang="en-US" altLang="ko-KR" sz="1900" dirty="0"/>
+              <a:t> -O -o </a:t>
+            </a:r>
+            <a:r>
+              <a:rPr lang="en-US" altLang="ko-KR" sz="1900" dirty="0" err="1"/>
+              <a:t>bank_svr</a:t>
+            </a:r>
+            <a:r>
+              <a:rPr lang="en-US" altLang="ko-KR" sz="1900" dirty="0"/>
+              <a:t> -I$(TMAXDIR) -I$(TB_HOME)/client/include -L$(TMAXDIR)/lib64 -L$(TB_HOME)/client/lib </a:t>
+            </a:r>
+            <a:r>
+              <a:rPr lang="en-US" altLang="ko-KR" sz="1900" dirty="0" err="1"/>
+              <a:t>bank_svr.c</a:t>
+            </a:r>
+            <a:r>
+              <a:rPr lang="en-US" altLang="ko-KR" sz="1900" dirty="0"/>
+              <a:t> $(TMAXDIR)/</a:t>
+            </a:r>
+            <a:r>
+              <a:rPr lang="en-US" altLang="ko-KR" sz="1900" dirty="0" err="1"/>
+              <a:t>svct</a:t>
+            </a:r>
+            <a:r>
+              <a:rPr lang="en-US" altLang="ko-KR" sz="1900" dirty="0"/>
+              <a:t>/</a:t>
+            </a:r>
+            <a:r>
+              <a:rPr lang="en-US" altLang="ko-KR" sz="1900" dirty="0" err="1"/>
+              <a:t>bank_svr_svctab.c</a:t>
+            </a:r>
+            <a:r>
+              <a:rPr lang="en-US" altLang="ko-KR" sz="1900" dirty="0"/>
+              <a:t> $(TMAXDIR)/lib64/</a:t>
+            </a:r>
+            <a:r>
+              <a:rPr lang="en-US" altLang="ko-KR" sz="1900" dirty="0" err="1"/>
+              <a:t>sdl.o</a:t>
+            </a:r>
+            <a:r>
+              <a:rPr lang="en-US" altLang="ko-KR" sz="1900" dirty="0"/>
+              <a:t> -</a:t>
+            </a:r>
+            <a:r>
+              <a:rPr lang="en-US" altLang="ko-KR" sz="1900" dirty="0" err="1"/>
+              <a:t>lsvr</a:t>
+            </a:r>
+            <a:r>
+              <a:rPr lang="en-US" altLang="ko-KR" sz="1900" dirty="0"/>
+              <a:t> -</a:t>
+            </a:r>
+            <a:r>
+              <a:rPr lang="en-US" altLang="ko-KR" sz="1900" dirty="0" err="1"/>
+              <a:t>ltbs</a:t>
+            </a:r>
+            <a:r>
+              <a:rPr lang="en-US" altLang="ko-KR" sz="1900" dirty="0"/>
+              <a:t> -</a:t>
+            </a:r>
+            <a:r>
+              <a:rPr lang="en-US" altLang="ko-KR" sz="1900" dirty="0" err="1"/>
+              <a:t>ltbxa</a:t>
+            </a:r>
+            <a:r>
+              <a:rPr lang="en-US" altLang="ko-KR" sz="1900" dirty="0"/>
+              <a:t> -</a:t>
+            </a:r>
+            <a:r>
+              <a:rPr lang="en-US" altLang="ko-KR" sz="1900" dirty="0" err="1"/>
+              <a:t>ltbertl</a:t>
+            </a:r>
+            <a:r>
+              <a:rPr lang="en-US" altLang="ko-KR" sz="1900" dirty="0"/>
+              <a:t> -</a:t>
+            </a:r>
+            <a:r>
+              <a:rPr lang="en-US" altLang="ko-KR" sz="1900" dirty="0" err="1"/>
+              <a:t>ltbcli</a:t>
+            </a:r>
+            <a:r>
+              <a:rPr lang="en-US" altLang="ko-KR" sz="1900" dirty="0"/>
+              <a:t> -</a:t>
+            </a:r>
+            <a:r>
+              <a:rPr lang="en-US" altLang="ko-KR" sz="1900" dirty="0" err="1"/>
+              <a:t>lm</a:t>
+            </a:r>
+            <a:r>
+              <a:rPr lang="en-US" altLang="ko-KR" sz="1900" dirty="0"/>
+              <a:t> -</a:t>
+            </a:r>
+            <a:r>
+              <a:rPr lang="en-US" altLang="ko-KR" sz="1900" dirty="0" err="1"/>
+              <a:t>lpthread</a:t>
+            </a:r>
+            <a:r>
+              <a:rPr lang="en-US" altLang="ko-KR" sz="1900" dirty="0"/>
+              <a:t> -</a:t>
+            </a:r>
+            <a:r>
+              <a:rPr lang="en-US" altLang="ko-KR" sz="1900" dirty="0" err="1"/>
+              <a:t>lnodb</a:t>
+            </a:r>
+            <a:endParaRPr lang="en-US" altLang="ko-KR" sz="1900" dirty="0"/>
+          </a:p>
+          <a:p>
+            <a:r>
+              <a:rPr lang="en-US" altLang="ko-KR" sz="1900" dirty="0" err="1"/>
+              <a:t>gcc</a:t>
+            </a:r>
+            <a:r>
+              <a:rPr lang="en-US" altLang="ko-KR" sz="1900" dirty="0"/>
+              <a:t> -O -o </a:t>
+            </a:r>
+            <a:r>
+              <a:rPr lang="en-US" altLang="ko-KR" sz="1900" dirty="0" err="1"/>
+              <a:t>bank_rec</a:t>
+            </a:r>
+            <a:r>
+              <a:rPr lang="en-US" altLang="ko-KR" sz="1900" dirty="0"/>
+              <a:t> -I$(TMAXDIR) -I$(TB_HOME)/client/include -L$(TMAXDIR)/lib64 -L$(TB_HOME)/client/lib </a:t>
+            </a:r>
+            <a:r>
+              <a:rPr lang="en-US" altLang="ko-KR" sz="1900" dirty="0" err="1"/>
+              <a:t>bank_rec.c</a:t>
+            </a:r>
+            <a:r>
+              <a:rPr lang="en-US" altLang="ko-KR" sz="1900" dirty="0"/>
+              <a:t> $(TMAXDIR)/</a:t>
+            </a:r>
+            <a:r>
+              <a:rPr lang="en-US" altLang="ko-KR" sz="1900" dirty="0" err="1"/>
+              <a:t>svct</a:t>
+            </a:r>
+            <a:r>
+              <a:rPr lang="en-US" altLang="ko-KR" sz="1900" dirty="0"/>
+              <a:t>/</a:t>
+            </a:r>
+            <a:r>
+              <a:rPr lang="en-US" altLang="ko-KR" sz="1900" dirty="0" err="1"/>
+              <a:t>bank_rec_svctab.c</a:t>
+            </a:r>
+            <a:r>
+              <a:rPr lang="en-US" altLang="ko-KR" sz="1900" dirty="0"/>
+              <a:t> $(TMAXDIR)/lib64/</a:t>
+            </a:r>
+            <a:r>
+              <a:rPr lang="en-US" altLang="ko-KR" sz="1900" dirty="0" err="1"/>
+              <a:t>sdl.o</a:t>
+            </a:r>
+            <a:r>
+              <a:rPr lang="en-US" altLang="ko-KR" sz="1900" dirty="0"/>
+              <a:t> -</a:t>
+            </a:r>
+            <a:r>
+              <a:rPr lang="en-US" altLang="ko-KR" sz="1900" dirty="0" err="1"/>
+              <a:t>lsvr</a:t>
+            </a:r>
+            <a:r>
+              <a:rPr lang="en-US" altLang="ko-KR" sz="1900" dirty="0"/>
+              <a:t> -</a:t>
+            </a:r>
+            <a:r>
+              <a:rPr lang="en-US" altLang="ko-KR" sz="1900" dirty="0" err="1"/>
+              <a:t>ltbs</a:t>
+            </a:r>
+            <a:r>
+              <a:rPr lang="en-US" altLang="ko-KR" sz="1900" dirty="0"/>
+              <a:t> -</a:t>
+            </a:r>
+            <a:r>
+              <a:rPr lang="en-US" altLang="ko-KR" sz="1900" dirty="0" err="1"/>
+              <a:t>ltbxa</a:t>
+            </a:r>
+            <a:r>
+              <a:rPr lang="en-US" altLang="ko-KR" sz="1900" dirty="0"/>
+              <a:t> -</a:t>
+            </a:r>
+            <a:r>
+              <a:rPr lang="en-US" altLang="ko-KR" sz="1900" dirty="0" err="1"/>
+              <a:t>ltbertl</a:t>
+            </a:r>
+            <a:r>
+              <a:rPr lang="en-US" altLang="ko-KR" sz="1900" dirty="0"/>
+              <a:t> -</a:t>
+            </a:r>
+            <a:r>
+              <a:rPr lang="en-US" altLang="ko-KR" sz="1900" dirty="0" err="1"/>
+              <a:t>ltbcli</a:t>
+            </a:r>
+            <a:r>
+              <a:rPr lang="en-US" altLang="ko-KR" sz="1900" dirty="0"/>
+              <a:t> -</a:t>
+            </a:r>
+            <a:r>
+              <a:rPr lang="en-US" altLang="ko-KR" sz="1900" dirty="0" err="1"/>
+              <a:t>lm</a:t>
+            </a:r>
+            <a:r>
+              <a:rPr lang="en-US" altLang="ko-KR" sz="1900" dirty="0"/>
+              <a:t> -</a:t>
+            </a:r>
+            <a:r>
+              <a:rPr lang="en-US" altLang="ko-KR" sz="1900" dirty="0" err="1"/>
+              <a:t>lpthread</a:t>
+            </a:r>
+            <a:r>
+              <a:rPr lang="en-US" altLang="ko-KR" sz="1900" dirty="0"/>
+              <a:t> -</a:t>
+            </a:r>
+            <a:r>
+              <a:rPr lang="en-US" altLang="ko-KR" sz="1900" dirty="0" err="1"/>
+              <a:t>lnodb</a:t>
+            </a:r>
+            <a:endParaRPr lang="en-US" altLang="ko-KR" sz="1900" dirty="0"/>
+          </a:p>
+          <a:p>
+            <a:r>
+              <a:rPr lang="en-US" altLang="ko-KR" sz="1800" dirty="0"/>
+              <a:t>cp </a:t>
+            </a:r>
+            <a:r>
+              <a:rPr lang="en-US" altLang="ko-KR" sz="1800" dirty="0" err="1"/>
+              <a:t>bank_svr</a:t>
+            </a:r>
+            <a:r>
+              <a:rPr lang="en-US" altLang="ko-KR" sz="1800" dirty="0"/>
+              <a:t> $(TMAXDIR)/</a:t>
+            </a:r>
+            <a:r>
+              <a:rPr lang="en-US" altLang="ko-KR" sz="1800" dirty="0" err="1"/>
+              <a:t>appbin</a:t>
+            </a:r>
+            <a:endParaRPr lang="en-US" altLang="ko-KR" sz="1800" dirty="0"/>
+          </a:p>
+          <a:p>
+            <a:r>
+              <a:rPr lang="en-US" altLang="ko-KR" sz="1800" dirty="0"/>
+              <a:t>cp </a:t>
+            </a:r>
+            <a:r>
+              <a:rPr lang="en-US" altLang="ko-KR" sz="1800" dirty="0" err="1"/>
+              <a:t>bank_rec</a:t>
+            </a:r>
+            <a:r>
+              <a:rPr lang="en-US" altLang="ko-KR" sz="1800" dirty="0"/>
+              <a:t> $(TMAXDIR)/</a:t>
+            </a:r>
+            <a:r>
+              <a:rPr lang="en-US" altLang="ko-KR" sz="1800" dirty="0" err="1"/>
+              <a:t>appbin</a:t>
+            </a:r>
+            <a:endParaRPr lang="en-US" altLang="ko-KR" sz="1800" dirty="0"/>
           </a:p>
         </p:txBody>
       </p:sp>
     </p:spTree>
     <p:extLst>
       <p:ext uri="{BB962C8B-B14F-4D97-AF65-F5344CB8AC3E}">
-        <p14:creationId xmlns:p14="http://schemas.microsoft.com/office/powerpoint/2010/main" val="2697084092"/>
+        <p14:creationId xmlns:p14="http://schemas.microsoft.com/office/powerpoint/2010/main" val="4068537459"/>
       </p:ext>
     </p:extLst>
   </p:cSld>

--- a/xa기반 계좌이체.pptx
+++ b/xa기반 계좌이체.pptx
@@ -6358,25 +6358,225 @@
               </a:rPr>
               <a:t>.</a:t>
             </a:r>
-            <a:endParaRPr kumimoji="0" lang="ko-KR" altLang="en-US" sz="1800" b="0" i="0" u="none" strike="noStrike" kern="1200" cap="none" spc="0" normalizeH="0" baseline="0" noProof="0" dirty="0">
-              <a:ln>
-                <a:noFill/>
-              </a:ln>
+          </a:p>
+          <a:p>
+            <a:pPr marL="228600" marR="0" lvl="0" indent="-228600" algn="l" defTabSz="914400" rtl="0" eaLnBrk="1" fontAlgn="auto" latinLnBrk="1" hangingPunct="1">
+              <a:lnSpc>
+                <a:spcPct val="90000"/>
+              </a:lnSpc>
+              <a:spcBef>
+                <a:spcPts val="1000"/>
+              </a:spcBef>
+              <a:spcAft>
+                <a:spcPts val="0"/>
+              </a:spcAft>
+              <a:buClrTx/>
+              <a:buSzTx/>
+              <a:buFont typeface="Arial" panose="020B0604020202020204" pitchFamily="34" charset="0"/>
+              <a:buChar char="•"/>
+              <a:tabLst/>
+              <a:defRPr/>
+            </a:pPr>
+            <a:r>
+              <a:rPr kumimoji="0" lang="en-US" altLang="ko-KR" sz="1800" b="0" i="0" u="none" strike="noStrike" kern="1200" cap="none" spc="0" normalizeH="0" baseline="0" noProof="0" dirty="0">
+                <a:ln>
+                  <a:noFill/>
+                </a:ln>
+                <a:solidFill>
+                  <a:prstClr val="black"/>
+                </a:solidFill>
+                <a:effectLst/>
+                <a:uLnTx/>
+                <a:uFillTx/>
+                <a:latin typeface="맑은 고딕" panose="020F0502020204030204"/>
+                <a:ea typeface="맑은 고딕" panose="020B0503020000020004" pitchFamily="50" charset="-127"/>
+                <a:cs typeface="+mn-cs"/>
+              </a:rPr>
+              <a:t>User,</a:t>
+            </a:r>
+            <a:r>
+              <a:rPr lang="en-US" altLang="ko-KR" sz="1800" dirty="0" err="1">
+                <a:solidFill>
+                  <a:prstClr val="black"/>
+                </a:solidFill>
+                <a:latin typeface="맑은 고딕" panose="020F0502020204030204"/>
+                <a:ea typeface="맑은 고딕" panose="020B0503020000020004" pitchFamily="50" charset="-127"/>
+              </a:rPr>
+              <a:t>pwd</a:t>
+            </a:r>
+            <a:r>
+              <a:rPr lang="ko-KR" altLang="en-US" sz="1800" dirty="0">
+                <a:solidFill>
+                  <a:prstClr val="black"/>
+                </a:solidFill>
+                <a:latin typeface="맑은 고딕" panose="020F0502020204030204"/>
+                <a:ea typeface="맑은 고딕" panose="020B0503020000020004" pitchFamily="50" charset="-127"/>
+              </a:rPr>
+              <a:t> </a:t>
+            </a:r>
+            <a:r>
+              <a:rPr lang="en-US" altLang="ko-KR" sz="1800" dirty="0">
+                <a:solidFill>
+                  <a:prstClr val="black"/>
+                </a:solidFill>
+                <a:latin typeface="맑은 고딕" panose="020F0502020204030204"/>
+                <a:ea typeface="맑은 고딕" panose="020B0503020000020004" pitchFamily="50" charset="-127"/>
+              </a:rPr>
+              <a:t>:</a:t>
+            </a:r>
+            <a:r>
+              <a:rPr lang="ko-KR" altLang="en-US" sz="1800" dirty="0">
+                <a:solidFill>
+                  <a:prstClr val="black"/>
+                </a:solidFill>
+                <a:latin typeface="맑은 고딕" panose="020F0502020204030204"/>
+                <a:ea typeface="맑은 고딕" panose="020B0503020000020004" pitchFamily="50" charset="-127"/>
+              </a:rPr>
+              <a:t> </a:t>
+            </a:r>
+            <a:r>
+              <a:rPr lang="ko-KR" altLang="en-US" sz="1800" dirty="0" err="1">
+                <a:solidFill>
+                  <a:prstClr val="black"/>
+                </a:solidFill>
+                <a:latin typeface="맑은 고딕" panose="020F0502020204030204"/>
+                <a:ea typeface="맑은 고딕" panose="020B0503020000020004" pitchFamily="50" charset="-127"/>
+              </a:rPr>
+              <a:t>디비</a:t>
+            </a:r>
+            <a:r>
+              <a:rPr lang="ko-KR" altLang="en-US" sz="1800" dirty="0">
+                <a:solidFill>
+                  <a:prstClr val="black"/>
+                </a:solidFill>
+                <a:latin typeface="맑은 고딕" panose="020F0502020204030204"/>
+                <a:ea typeface="맑은 고딕" panose="020B0503020000020004" pitchFamily="50" charset="-127"/>
+              </a:rPr>
+              <a:t> 유저</a:t>
+            </a:r>
+            <a:r>
+              <a:rPr lang="en-US" altLang="ko-KR" sz="1800" dirty="0">
+                <a:solidFill>
+                  <a:prstClr val="black"/>
+                </a:solidFill>
+                <a:latin typeface="맑은 고딕" panose="020F0502020204030204"/>
+                <a:ea typeface="맑은 고딕" panose="020B0503020000020004" pitchFamily="50" charset="-127"/>
+              </a:rPr>
+              <a:t>, </a:t>
+            </a:r>
+            <a:r>
+              <a:rPr lang="ko-KR" altLang="en-US" sz="1800" dirty="0">
+                <a:solidFill>
+                  <a:prstClr val="black"/>
+                </a:solidFill>
+                <a:latin typeface="맑은 고딕" panose="020F0502020204030204"/>
+                <a:ea typeface="맑은 고딕" panose="020B0503020000020004" pitchFamily="50" charset="-127"/>
+              </a:rPr>
+              <a:t>비밀번호</a:t>
+            </a:r>
+            <a:endParaRPr lang="en-US" altLang="ko-KR" sz="1800" dirty="0">
               <a:solidFill>
                 <a:prstClr val="black"/>
               </a:solidFill>
-              <a:effectLst/>
-              <a:uLnTx/>
-              <a:uFillTx/>
               <a:latin typeface="맑은 고딕" panose="020F0502020204030204"/>
               <a:ea typeface="맑은 고딕" panose="020B0503020000020004" pitchFamily="50" charset="-127"/>
-              <a:cs typeface="+mn-cs"/>
             </a:endParaRPr>
           </a:p>
           <a:p>
-            <a:pPr marL="0" indent="0">
-              <a:buNone/>
+            <a:pPr marL="228600" marR="0" lvl="0" indent="-228600" algn="l" defTabSz="914400" rtl="0" eaLnBrk="1" fontAlgn="auto" latinLnBrk="1" hangingPunct="1">
+              <a:lnSpc>
+                <a:spcPct val="90000"/>
+              </a:lnSpc>
+              <a:spcBef>
+                <a:spcPts val="1000"/>
+              </a:spcBef>
+              <a:spcAft>
+                <a:spcPts val="0"/>
+              </a:spcAft>
+              <a:buClrTx/>
+              <a:buSzTx/>
+              <a:buFont typeface="Arial" panose="020B0604020202020204" pitchFamily="34" charset="0"/>
+              <a:buChar char="•"/>
+              <a:tabLst/>
+              <a:defRPr/>
             </a:pPr>
+            <a:r>
+              <a:rPr kumimoji="0" lang="en-US" altLang="ko-KR" sz="1800" b="0" i="0" u="none" strike="noStrike" kern="1200" cap="none" spc="0" normalizeH="0" baseline="0" noProof="0" dirty="0" err="1">
+                <a:ln>
+                  <a:noFill/>
+                </a:ln>
+                <a:solidFill>
+                  <a:prstClr val="black"/>
+                </a:solidFill>
+                <a:effectLst/>
+                <a:uLnTx/>
+                <a:uFillTx/>
+                <a:latin typeface="맑은 고딕" panose="020F0502020204030204"/>
+                <a:ea typeface="맑은 고딕" panose="020B0503020000020004" pitchFamily="50" charset="-127"/>
+                <a:cs typeface="+mn-cs"/>
+              </a:rPr>
+              <a:t>db</a:t>
+            </a:r>
+            <a:r>
+              <a:rPr lang="en-US" altLang="ko-KR" sz="1800" dirty="0">
+                <a:solidFill>
+                  <a:prstClr val="black"/>
+                </a:solidFill>
+                <a:latin typeface="맑은 고딕" panose="020F0502020204030204"/>
+                <a:ea typeface="맑은 고딕" panose="020B0503020000020004" pitchFamily="50" charset="-127"/>
+              </a:rPr>
+              <a:t>: $TB_HOME/client/config</a:t>
+            </a:r>
+            <a:r>
+              <a:rPr lang="ko-KR" altLang="en-US" sz="1800" dirty="0">
+                <a:solidFill>
+                  <a:prstClr val="black"/>
+                </a:solidFill>
+                <a:latin typeface="맑은 고딕" panose="020F0502020204030204"/>
+                <a:ea typeface="맑은 고딕" panose="020B0503020000020004" pitchFamily="50" charset="-127"/>
+              </a:rPr>
+              <a:t>에 </a:t>
+            </a:r>
+            <a:r>
+              <a:rPr lang="en-US" altLang="ko-KR" sz="1800" dirty="0" err="1">
+                <a:solidFill>
+                  <a:prstClr val="black"/>
+                </a:solidFill>
+                <a:latin typeface="맑은 고딕" panose="020F0502020204030204"/>
+                <a:ea typeface="맑은 고딕" panose="020B0503020000020004" pitchFamily="50" charset="-127"/>
+              </a:rPr>
+              <a:t>tbdsn.tbr</a:t>
+            </a:r>
+            <a:r>
+              <a:rPr lang="en-US" altLang="ko-KR" sz="1800" dirty="0">
+                <a:solidFill>
+                  <a:prstClr val="black"/>
+                </a:solidFill>
+                <a:latin typeface="맑은 고딕" panose="020F0502020204030204"/>
+                <a:ea typeface="맑은 고딕" panose="020B0503020000020004" pitchFamily="50" charset="-127"/>
+              </a:rPr>
+              <a:t> </a:t>
+            </a:r>
+            <a:r>
+              <a:rPr lang="ko-KR" altLang="en-US" sz="1800" dirty="0">
+                <a:solidFill>
+                  <a:prstClr val="black"/>
+                </a:solidFill>
+                <a:latin typeface="맑은 고딕" panose="020F0502020204030204"/>
+                <a:ea typeface="맑은 고딕" panose="020B0503020000020004" pitchFamily="50" charset="-127"/>
+              </a:rPr>
+              <a:t>파일에 적힌 </a:t>
+            </a:r>
+            <a:r>
+              <a:rPr lang="en-US" altLang="ko-KR" sz="1800" dirty="0">
+                <a:solidFill>
+                  <a:prstClr val="black"/>
+                </a:solidFill>
+                <a:latin typeface="맑은 고딕" panose="020F0502020204030204"/>
+                <a:ea typeface="맑은 고딕" panose="020B0503020000020004" pitchFamily="50" charset="-127"/>
+              </a:rPr>
+              <a:t>DB_NAME</a:t>
+            </a:r>
             <a:endParaRPr lang="en-US" altLang="ko-KR" dirty="0"/>
           </a:p>
           <a:p>
@@ -6485,7 +6685,7 @@
         </p:blipFill>
         <p:spPr>
           <a:xfrm>
-            <a:off x="7978839" y="3994923"/>
+            <a:off x="8246161" y="5160335"/>
             <a:ext cx="3590302" cy="899193"/>
           </a:xfrm>
           <a:prstGeom prst="rect">

--- a/xa기반 계좌이체.pptx
+++ b/xa기반 계좌이체.pptx
@@ -6011,6 +6011,54 @@
           </a:p>
         </p:txBody>
       </p:sp>
+      <p:sp>
+        <p:nvSpPr>
+          <p:cNvPr id="4" name="TextBox 3">
+            <a:extLst>
+              <a:ext uri="{FF2B5EF4-FFF2-40B4-BE49-F238E27FC236}">
+                <a16:creationId xmlns:a16="http://schemas.microsoft.com/office/drawing/2014/main" id="{1E7FB43A-AFC3-4E74-8EFD-0DA0DBC28A25}"/>
+              </a:ext>
+            </a:extLst>
+          </p:cNvPr>
+          <p:cNvSpPr txBox="1"/>
+          <p:nvPr/>
+        </p:nvSpPr>
+        <p:spPr>
+          <a:xfrm>
+            <a:off x="7602071" y="4455459"/>
+            <a:ext cx="3343835" cy="646331"/>
+          </a:xfrm>
+          <a:prstGeom prst="rect">
+            <a:avLst/>
+          </a:prstGeom>
+          <a:noFill/>
+        </p:spPr>
+        <p:txBody>
+          <a:bodyPr wrap="square" rtlCol="0">
+            <a:spAutoFit/>
+          </a:bodyPr>
+          <a:lstStyle/>
+          <a:p>
+            <a:r>
+              <a:rPr lang="ko-KR" altLang="en-US" dirty="0"/>
+              <a:t>이 과정을 </a:t>
+            </a:r>
+            <a:r>
+              <a:rPr lang="ko-KR" altLang="en-US" dirty="0" err="1"/>
+              <a:t>두번</a:t>
+            </a:r>
+            <a:r>
+              <a:rPr lang="ko-KR" altLang="en-US" dirty="0"/>
+              <a:t> 수행하여 두개의 데이터베이스를 만든다</a:t>
+            </a:r>
+            <a:r>
+              <a:rPr lang="en-US" altLang="ko-KR" dirty="0"/>
+              <a:t>.</a:t>
+            </a:r>
+            <a:endParaRPr lang="ko-KR" altLang="en-US" dirty="0"/>
+          </a:p>
+        </p:txBody>
+      </p:sp>
     </p:spTree>
     <p:extLst>
       <p:ext uri="{BB962C8B-B14F-4D97-AF65-F5344CB8AC3E}">
